--- a/SSD부분_발표.pptx
+++ b/SSD부분_발표.pptx
@@ -5,7 +5,7 @@
     <p:sldMasterId id="2147483648" r:id="rId1"/>
   </p:sldMasterIdLst>
   <p:notesMasterIdLst>
-    <p:notesMasterId r:id="rId25"/>
+    <p:notesMasterId r:id="rId28"/>
   </p:notesMasterIdLst>
   <p:sldIdLst>
     <p:sldId id="256" r:id="rId2"/>
@@ -18,19 +18,22 @@
     <p:sldId id="262" r:id="rId9"/>
     <p:sldId id="263" r:id="rId10"/>
     <p:sldId id="264" r:id="rId11"/>
-    <p:sldId id="265" r:id="rId12"/>
-    <p:sldId id="274" r:id="rId13"/>
-    <p:sldId id="266" r:id="rId14"/>
-    <p:sldId id="269" r:id="rId15"/>
-    <p:sldId id="267" r:id="rId16"/>
-    <p:sldId id="275" r:id="rId17"/>
-    <p:sldId id="268" r:id="rId18"/>
-    <p:sldId id="270" r:id="rId19"/>
-    <p:sldId id="271" r:id="rId20"/>
-    <p:sldId id="272" r:id="rId21"/>
-    <p:sldId id="278" r:id="rId22"/>
-    <p:sldId id="279" r:id="rId23"/>
-    <p:sldId id="277" r:id="rId24"/>
+    <p:sldId id="281" r:id="rId12"/>
+    <p:sldId id="283" r:id="rId13"/>
+    <p:sldId id="284" r:id="rId14"/>
+    <p:sldId id="265" r:id="rId15"/>
+    <p:sldId id="274" r:id="rId16"/>
+    <p:sldId id="266" r:id="rId17"/>
+    <p:sldId id="269" r:id="rId18"/>
+    <p:sldId id="267" r:id="rId19"/>
+    <p:sldId id="275" r:id="rId20"/>
+    <p:sldId id="268" r:id="rId21"/>
+    <p:sldId id="270" r:id="rId22"/>
+    <p:sldId id="271" r:id="rId23"/>
+    <p:sldId id="272" r:id="rId24"/>
+    <p:sldId id="278" r:id="rId25"/>
+    <p:sldId id="279" r:id="rId26"/>
+    <p:sldId id="277" r:id="rId27"/>
   </p:sldIdLst>
   <p:sldSz cx="12192000" cy="6858000"/>
   <p:notesSz cx="6858000" cy="9144000"/>
@@ -268,7 +271,7 @@
       <p15:sldGuideLst xmlns:p15="http://schemas.microsoft.com/office/powerpoint/2012/main"/>
     </p:ext>
     <p:ext uri="GoogleSlidesCustomDataVersion2">
-      <go:slidesCustomData xmlns="" xmlns:mc="http://schemas.openxmlformats.org/markup-compatibility/2006" xmlns:mv="urn:schemas-microsoft-com:mac:vml" xmlns:c="http://schemas.openxmlformats.org/drawingml/2006/chart" xmlns:dgm="http://schemas.openxmlformats.org/drawingml/2006/diagram" xmlns:o="urn:schemas-microsoft-com:office:office" xmlns:v="urn:schemas-microsoft-com:vml" xmlns:pvml="urn:schemas-microsoft-com:office:powerpoint" xmlns:com="http://schemas.openxmlformats.org/drawingml/2006/compatibility" xmlns:p14="http://schemas.microsoft.com/office/powerpoint/2010/main" xmlns:p15="http://schemas.microsoft.com/office/powerpoint/2012/main" xmlns:ahyp="http://schemas.microsoft.com/office/drawing/2018/hyperlinkcolor" xmlns:go="http://customooxmlschemas.google.com/" r:id="rId26" roundtripDataSignature="AMtx7mj5GdbxsaFl02bTEFBl/9s84/Z/Bw=="/>
+      <go:slidesCustomData xmlns="" xmlns:mc="http://schemas.openxmlformats.org/markup-compatibility/2006" xmlns:mv="urn:schemas-microsoft-com:mac:vml" xmlns:c="http://schemas.openxmlformats.org/drawingml/2006/chart" xmlns:dgm="http://schemas.openxmlformats.org/drawingml/2006/diagram" xmlns:o="urn:schemas-microsoft-com:office:office" xmlns:v="urn:schemas-microsoft-com:vml" xmlns:pvml="urn:schemas-microsoft-com:office:powerpoint" xmlns:com="http://schemas.openxmlformats.org/drawingml/2006/compatibility" xmlns:p14="http://schemas.microsoft.com/office/powerpoint/2010/main" xmlns:p15="http://schemas.microsoft.com/office/powerpoint/2012/main" xmlns:ahyp="http://schemas.microsoft.com/office/drawing/2018/hyperlinkcolor" xmlns:go="http://customooxmlschemas.google.com/" r:id="rId29" roundtripDataSignature="AMtx7mj5GdbxsaFl02bTEFBl/9s84/Z/Bw=="/>
     </p:ext>
   </p:extLst>
 </p:presentation>
@@ -7121,6 +7124,295 @@
   <p:cSld>
     <p:spTree>
       <p:nvGrpSpPr>
+        <p:cNvPr id="1" name=""/>
+        <p:cNvGrpSpPr/>
+        <p:nvPr/>
+      </p:nvGrpSpPr>
+      <p:grpSpPr>
+        <a:xfrm>
+          <a:off x="0" y="0"/>
+          <a:ext cx="0" cy="0"/>
+          <a:chOff x="0" y="0"/>
+          <a:chExt cx="0" cy="0"/>
+        </a:xfrm>
+      </p:grpSpPr>
+      <p:sp>
+        <p:nvSpPr>
+          <p:cNvPr id="2" name="제목 1">
+            <a:extLst>
+              <a:ext uri="{FF2B5EF4-FFF2-40B4-BE49-F238E27FC236}">
+                <a16:creationId xmlns:a16="http://schemas.microsoft.com/office/drawing/2014/main" id="{EE317EA2-124F-4A84-A322-4DC0B671133F}"/>
+              </a:ext>
+            </a:extLst>
+          </p:cNvPr>
+          <p:cNvSpPr>
+            <a:spLocks noGrp="1"/>
+          </p:cNvSpPr>
+          <p:nvPr>
+            <p:ph type="title"/>
+          </p:nvPr>
+        </p:nvSpPr>
+        <p:spPr/>
+        <p:txBody>
+          <a:bodyPr>
+            <a:normAutofit fontScale="90000"/>
+          </a:bodyPr>
+          <a:lstStyle/>
+          <a:p>
+            <a:r>
+              <a:rPr lang="en-US" altLang="ko-KR" dirty="0"/>
+              <a:t>Command Merge </a:t>
+            </a:r>
+            <a:r>
+              <a:rPr lang="ko-KR" altLang="en-US" dirty="0"/>
+              <a:t>동작 </a:t>
+            </a:r>
+            <a:r>
+              <a:rPr lang="en-US" altLang="ko-KR" dirty="0"/>
+              <a:t>#1</a:t>
+            </a:r>
+            <a:endParaRPr lang="ko-KR" altLang="en-US" dirty="0"/>
+          </a:p>
+        </p:txBody>
+      </p:sp>
+      <p:pic>
+        <p:nvPicPr>
+          <p:cNvPr id="7" name="그림 6">
+            <a:extLst>
+              <a:ext uri="{FF2B5EF4-FFF2-40B4-BE49-F238E27FC236}">
+                <a16:creationId xmlns:a16="http://schemas.microsoft.com/office/drawing/2014/main" id="{CA753AD3-0E73-4627-AD23-C1A48BC1CF5C}"/>
+              </a:ext>
+            </a:extLst>
+          </p:cNvPr>
+          <p:cNvPicPr>
+            <a:picLocks noChangeAspect="1"/>
+          </p:cNvPicPr>
+          <p:nvPr/>
+        </p:nvPicPr>
+        <p:blipFill>
+          <a:blip r:embed="rId2"/>
+          <a:stretch>
+            <a:fillRect/>
+          </a:stretch>
+        </p:blipFill>
+        <p:spPr>
+          <a:xfrm>
+            <a:off x="1027521" y="1112718"/>
+            <a:ext cx="9769311" cy="4906692"/>
+          </a:xfrm>
+          <a:prstGeom prst="rect">
+            <a:avLst/>
+          </a:prstGeom>
+        </p:spPr>
+      </p:pic>
+    </p:spTree>
+    <p:extLst>
+      <p:ext uri="{BB962C8B-B14F-4D97-AF65-F5344CB8AC3E}">
+        <p14:creationId xmlns:p14="http://schemas.microsoft.com/office/powerpoint/2010/main" val="473287118"/>
+      </p:ext>
+    </p:extLst>
+  </p:cSld>
+  <p:clrMapOvr>
+    <a:masterClrMapping/>
+  </p:clrMapOvr>
+</p:sld>
+</file>
+
+<file path=ppt/slides/slide12.xml><?xml version="1.0" encoding="utf-8"?>
+<p:sld xmlns:a="http://schemas.openxmlformats.org/drawingml/2006/main" xmlns:r="http://schemas.openxmlformats.org/officeDocument/2006/relationships" xmlns:p="http://schemas.openxmlformats.org/presentationml/2006/main">
+  <p:cSld>
+    <p:spTree>
+      <p:nvGrpSpPr>
+        <p:cNvPr id="1" name=""/>
+        <p:cNvGrpSpPr/>
+        <p:nvPr/>
+      </p:nvGrpSpPr>
+      <p:grpSpPr>
+        <a:xfrm>
+          <a:off x="0" y="0"/>
+          <a:ext cx="0" cy="0"/>
+          <a:chOff x="0" y="0"/>
+          <a:chExt cx="0" cy="0"/>
+        </a:xfrm>
+      </p:grpSpPr>
+      <p:sp>
+        <p:nvSpPr>
+          <p:cNvPr id="2" name="제목 1">
+            <a:extLst>
+              <a:ext uri="{FF2B5EF4-FFF2-40B4-BE49-F238E27FC236}">
+                <a16:creationId xmlns:a16="http://schemas.microsoft.com/office/drawing/2014/main" id="{08959A12-659C-4C86-82D7-8C2EE2915574}"/>
+              </a:ext>
+            </a:extLst>
+          </p:cNvPr>
+          <p:cNvSpPr>
+            <a:spLocks noGrp="1"/>
+          </p:cNvSpPr>
+          <p:nvPr>
+            <p:ph type="title"/>
+          </p:nvPr>
+        </p:nvSpPr>
+        <p:spPr/>
+        <p:txBody>
+          <a:bodyPr>
+            <a:normAutofit fontScale="90000"/>
+          </a:bodyPr>
+          <a:lstStyle/>
+          <a:p>
+            <a:r>
+              <a:rPr lang="en-US" altLang="ko-KR" dirty="0"/>
+              <a:t>Command Merge </a:t>
+            </a:r>
+            <a:r>
+              <a:rPr lang="ko-KR" altLang="en-US" dirty="0"/>
+              <a:t>동작 </a:t>
+            </a:r>
+            <a:r>
+              <a:rPr lang="en-US" altLang="ko-KR" dirty="0"/>
+              <a:t>#2</a:t>
+            </a:r>
+            <a:endParaRPr lang="ko-KR" altLang="en-US" dirty="0"/>
+          </a:p>
+        </p:txBody>
+      </p:sp>
+      <p:pic>
+        <p:nvPicPr>
+          <p:cNvPr id="5" name="그림 4">
+            <a:extLst>
+              <a:ext uri="{FF2B5EF4-FFF2-40B4-BE49-F238E27FC236}">
+                <a16:creationId xmlns:a16="http://schemas.microsoft.com/office/drawing/2014/main" id="{960D1821-231E-4FAE-8748-9B4AC10486CF}"/>
+              </a:ext>
+            </a:extLst>
+          </p:cNvPr>
+          <p:cNvPicPr>
+            <a:picLocks noChangeAspect="1"/>
+          </p:cNvPicPr>
+          <p:nvPr/>
+        </p:nvPicPr>
+        <p:blipFill>
+          <a:blip r:embed="rId2"/>
+          <a:stretch>
+            <a:fillRect/>
+          </a:stretch>
+        </p:blipFill>
+        <p:spPr>
+          <a:xfrm>
+            <a:off x="0" y="1318828"/>
+            <a:ext cx="12192000" cy="4993341"/>
+          </a:xfrm>
+          <a:prstGeom prst="rect">
+            <a:avLst/>
+          </a:prstGeom>
+        </p:spPr>
+      </p:pic>
+    </p:spTree>
+    <p:extLst>
+      <p:ext uri="{BB962C8B-B14F-4D97-AF65-F5344CB8AC3E}">
+        <p14:creationId xmlns:p14="http://schemas.microsoft.com/office/powerpoint/2010/main" val="3710711391"/>
+      </p:ext>
+    </p:extLst>
+  </p:cSld>
+  <p:clrMapOvr>
+    <a:masterClrMapping/>
+  </p:clrMapOvr>
+</p:sld>
+</file>
+
+<file path=ppt/slides/slide13.xml><?xml version="1.0" encoding="utf-8"?>
+<p:sld xmlns:a="http://schemas.openxmlformats.org/drawingml/2006/main" xmlns:r="http://schemas.openxmlformats.org/officeDocument/2006/relationships" xmlns:p="http://schemas.openxmlformats.org/presentationml/2006/main">
+  <p:cSld>
+    <p:spTree>
+      <p:nvGrpSpPr>
+        <p:cNvPr id="1" name=""/>
+        <p:cNvGrpSpPr/>
+        <p:nvPr/>
+      </p:nvGrpSpPr>
+      <p:grpSpPr>
+        <a:xfrm>
+          <a:off x="0" y="0"/>
+          <a:ext cx="0" cy="0"/>
+          <a:chOff x="0" y="0"/>
+          <a:chExt cx="0" cy="0"/>
+        </a:xfrm>
+      </p:grpSpPr>
+      <p:sp>
+        <p:nvSpPr>
+          <p:cNvPr id="2" name="제목 1">
+            <a:extLst>
+              <a:ext uri="{FF2B5EF4-FFF2-40B4-BE49-F238E27FC236}">
+                <a16:creationId xmlns:a16="http://schemas.microsoft.com/office/drawing/2014/main" id="{08959A12-659C-4C86-82D7-8C2EE2915574}"/>
+              </a:ext>
+            </a:extLst>
+          </p:cNvPr>
+          <p:cNvSpPr>
+            <a:spLocks noGrp="1"/>
+          </p:cNvSpPr>
+          <p:nvPr>
+            <p:ph type="title"/>
+          </p:nvPr>
+        </p:nvSpPr>
+        <p:spPr/>
+        <p:txBody>
+          <a:bodyPr>
+            <a:normAutofit fontScale="90000"/>
+          </a:bodyPr>
+          <a:lstStyle/>
+          <a:p>
+            <a:r>
+              <a:rPr lang="en-US" altLang="ko-KR" dirty="0"/>
+              <a:t>FLUSH</a:t>
+            </a:r>
+            <a:endParaRPr lang="ko-KR" altLang="en-US" dirty="0"/>
+          </a:p>
+        </p:txBody>
+      </p:sp>
+      <p:pic>
+        <p:nvPicPr>
+          <p:cNvPr id="7" name="그림 6">
+            <a:extLst>
+              <a:ext uri="{FF2B5EF4-FFF2-40B4-BE49-F238E27FC236}">
+                <a16:creationId xmlns:a16="http://schemas.microsoft.com/office/drawing/2014/main" id="{C22DEC5A-A4A4-43B0-9691-E064AEE15D87}"/>
+              </a:ext>
+            </a:extLst>
+          </p:cNvPr>
+          <p:cNvPicPr>
+            <a:picLocks noChangeAspect="1"/>
+          </p:cNvPicPr>
+          <p:nvPr/>
+        </p:nvPicPr>
+        <p:blipFill>
+          <a:blip r:embed="rId2"/>
+          <a:stretch>
+            <a:fillRect/>
+          </a:stretch>
+        </p:blipFill>
+        <p:spPr>
+          <a:xfrm>
+            <a:off x="970960" y="1146471"/>
+            <a:ext cx="10391481" cy="5642852"/>
+          </a:xfrm>
+          <a:prstGeom prst="rect">
+            <a:avLst/>
+          </a:prstGeom>
+        </p:spPr>
+      </p:pic>
+    </p:spTree>
+    <p:extLst>
+      <p:ext uri="{BB962C8B-B14F-4D97-AF65-F5344CB8AC3E}">
+        <p14:creationId xmlns:p14="http://schemas.microsoft.com/office/powerpoint/2010/main" val="2790687018"/>
+      </p:ext>
+    </p:extLst>
+  </p:cSld>
+  <p:clrMapOvr>
+    <a:masterClrMapping/>
+  </p:clrMapOvr>
+</p:sld>
+</file>
+
+<file path=ppt/slides/slide14.xml><?xml version="1.0" encoding="utf-8"?>
+<p:sld xmlns:a="http://schemas.openxmlformats.org/drawingml/2006/main" xmlns:r="http://schemas.openxmlformats.org/officeDocument/2006/relationships" xmlns:p="http://schemas.openxmlformats.org/presentationml/2006/main">
+  <p:cSld>
+    <p:spTree>
+      <p:nvGrpSpPr>
         <p:cNvPr id="1" name="Shape 53"/>
         <p:cNvGrpSpPr/>
         <p:nvPr/>
@@ -7190,784 +7482,6 @@
     <p:extLst>
       <p:ext uri="{BB962C8B-B14F-4D97-AF65-F5344CB8AC3E}">
         <p14:creationId xmlns:p14="http://schemas.microsoft.com/office/powerpoint/2010/main" val="2099574296"/>
-      </p:ext>
-    </p:extLst>
-  </p:cSld>
-  <p:clrMapOvr>
-    <a:masterClrMapping/>
-  </p:clrMapOvr>
-</p:sld>
-</file>
-
-<file path=ppt/slides/slide12.xml><?xml version="1.0" encoding="utf-8"?>
-<p:sld xmlns:a="http://schemas.openxmlformats.org/drawingml/2006/main" xmlns:r="http://schemas.openxmlformats.org/officeDocument/2006/relationships" xmlns:p="http://schemas.openxmlformats.org/presentationml/2006/main">
-  <p:cSld>
-    <p:spTree>
-      <p:nvGrpSpPr>
-        <p:cNvPr id="1" name="Shape 58"/>
-        <p:cNvGrpSpPr/>
-        <p:nvPr/>
-      </p:nvGrpSpPr>
-      <p:grpSpPr>
-        <a:xfrm>
-          <a:off x="0" y="0"/>
-          <a:ext cx="0" cy="0"/>
-          <a:chOff x="0" y="0"/>
-          <a:chExt cx="0" cy="0"/>
-        </a:xfrm>
-      </p:grpSpPr>
-      <p:sp>
-        <p:nvSpPr>
-          <p:cNvPr id="59" name="Google Shape;59;p3"/>
-          <p:cNvSpPr txBox="1">
-            <a:spLocks noGrp="1"/>
-          </p:cNvSpPr>
-          <p:nvPr>
-            <p:ph type="title"/>
-          </p:nvPr>
-        </p:nvSpPr>
-        <p:spPr>
-          <a:xfrm>
-            <a:off x="605980" y="310143"/>
-            <a:ext cx="10515600" cy="649800"/>
-          </a:xfrm>
-          <a:prstGeom prst="rect">
-            <a:avLst/>
-          </a:prstGeom>
-          <a:noFill/>
-          <a:ln>
-            <a:noFill/>
-          </a:ln>
-        </p:spPr>
-        <p:txBody>
-          <a:bodyPr spcFirstLastPara="1" wrap="square" lIns="91425" tIns="45700" rIns="91425" bIns="45700" anchor="ctr" anchorCtr="0">
-            <a:normAutofit fontScale="90000"/>
-          </a:bodyPr>
-          <a:lstStyle/>
-          <a:p>
-            <a:pPr marL="0" lvl="0" indent="0" algn="l" rtl="0">
-              <a:lnSpc>
-                <a:spcPct val="90000"/>
-              </a:lnSpc>
-              <a:spcBef>
-                <a:spcPts val="0"/>
-              </a:spcBef>
-              <a:spcAft>
-                <a:spcPts val="0"/>
-              </a:spcAft>
-              <a:buClr>
-                <a:schemeClr val="dk1"/>
-              </a:buClr>
-              <a:buSzPts val="4400"/>
-              <a:buFont typeface="Malgun Gothic"/>
-              <a:buNone/>
-            </a:pPr>
-            <a:r>
-              <a:rPr lang="en-US" dirty="0"/>
-              <a:t>Shell</a:t>
-            </a:r>
-            <a:r>
-              <a:rPr lang="ko-KR" altLang="en-US" dirty="0"/>
-              <a:t> </a:t>
-            </a:r>
-            <a:r>
-              <a:rPr lang="en-US" altLang="ko-KR" dirty="0"/>
-              <a:t>Feature</a:t>
-            </a:r>
-            <a:r>
-              <a:rPr lang="ko-KR" altLang="en-US" dirty="0"/>
-              <a:t> </a:t>
-            </a:r>
-            <a:r>
-              <a:rPr lang="en-US" altLang="ko-KR" dirty="0"/>
-              <a:t>list</a:t>
-            </a:r>
-            <a:endParaRPr dirty="0"/>
-          </a:p>
-        </p:txBody>
-      </p:sp>
-      <p:sp>
-        <p:nvSpPr>
-          <p:cNvPr id="60" name="Google Shape;60;p3"/>
-          <p:cNvSpPr txBox="1">
-            <a:spLocks noGrp="1"/>
-          </p:cNvSpPr>
-          <p:nvPr>
-            <p:ph type="body" idx="1"/>
-          </p:nvPr>
-        </p:nvSpPr>
-        <p:spPr>
-          <a:xfrm>
-            <a:off x="605980" y="1316376"/>
-            <a:ext cx="10515600" cy="4927800"/>
-          </a:xfrm>
-          <a:prstGeom prst="rect">
-            <a:avLst/>
-          </a:prstGeom>
-          <a:noFill/>
-          <a:ln>
-            <a:noFill/>
-          </a:ln>
-        </p:spPr>
-        <p:txBody>
-          <a:bodyPr spcFirstLastPara="1" wrap="square" lIns="91425" tIns="45700" rIns="91425" bIns="45700" anchor="t" anchorCtr="0">
-            <a:normAutofit/>
-          </a:bodyPr>
-          <a:lstStyle/>
-          <a:p>
-            <a:pPr marL="635000" lvl="0" indent="-457200" algn="l" rtl="0">
-              <a:lnSpc>
-                <a:spcPct val="90000"/>
-              </a:lnSpc>
-              <a:spcBef>
-                <a:spcPts val="0"/>
-              </a:spcBef>
-              <a:spcAft>
-                <a:spcPts val="0"/>
-              </a:spcAft>
-              <a:buClr>
-                <a:schemeClr val="dk1"/>
-              </a:buClr>
-              <a:buSzPts val="2800"/>
-              <a:buFontTx/>
-              <a:buChar char="-"/>
-            </a:pPr>
-            <a:r>
-              <a:rPr lang="en-US" altLang="ko-KR" dirty="0"/>
-              <a:t>Shell Interface / Shell command</a:t>
-            </a:r>
-          </a:p>
-          <a:p>
-            <a:pPr marL="635000" lvl="0" indent="-457200" algn="l" rtl="0">
-              <a:lnSpc>
-                <a:spcPct val="90000"/>
-              </a:lnSpc>
-              <a:spcBef>
-                <a:spcPts val="0"/>
-              </a:spcBef>
-              <a:spcAft>
-                <a:spcPts val="0"/>
-              </a:spcAft>
-              <a:buClr>
-                <a:schemeClr val="dk1"/>
-              </a:buClr>
-              <a:buSzPts val="2800"/>
-              <a:buFontTx/>
-              <a:buChar char="-"/>
-            </a:pPr>
-            <a:r>
-              <a:rPr lang="en-US" dirty="0"/>
-              <a:t>Shell Script loader</a:t>
-            </a:r>
-          </a:p>
-          <a:p>
-            <a:pPr marL="635000" lvl="0" indent="-457200" algn="l" rtl="0">
-              <a:lnSpc>
-                <a:spcPct val="90000"/>
-              </a:lnSpc>
-              <a:spcBef>
-                <a:spcPts val="0"/>
-              </a:spcBef>
-              <a:spcAft>
-                <a:spcPts val="0"/>
-              </a:spcAft>
-              <a:buClr>
-                <a:schemeClr val="dk1"/>
-              </a:buClr>
-              <a:buSzPts val="2800"/>
-              <a:buFontTx/>
-              <a:buChar char="-"/>
-            </a:pPr>
-            <a:r>
-              <a:rPr lang="en-US" dirty="0"/>
-              <a:t>Logger</a:t>
-            </a:r>
-            <a:endParaRPr dirty="0"/>
-          </a:p>
-        </p:txBody>
-      </p:sp>
-    </p:spTree>
-    <p:extLst>
-      <p:ext uri="{BB962C8B-B14F-4D97-AF65-F5344CB8AC3E}">
-        <p14:creationId xmlns:p14="http://schemas.microsoft.com/office/powerpoint/2010/main" val="4254164045"/>
-      </p:ext>
-    </p:extLst>
-  </p:cSld>
-  <p:clrMapOvr>
-    <a:masterClrMapping/>
-  </p:clrMapOvr>
-</p:sld>
-</file>
-
-<file path=ppt/slides/slide13.xml><?xml version="1.0" encoding="utf-8"?>
-<p:sld xmlns:a="http://schemas.openxmlformats.org/drawingml/2006/main" xmlns:r="http://schemas.openxmlformats.org/officeDocument/2006/relationships" xmlns:p="http://schemas.openxmlformats.org/presentationml/2006/main">
-  <p:cSld>
-    <p:spTree>
-      <p:nvGrpSpPr>
-        <p:cNvPr id="1" name="Shape 58"/>
-        <p:cNvGrpSpPr/>
-        <p:nvPr/>
-      </p:nvGrpSpPr>
-      <p:grpSpPr>
-        <a:xfrm>
-          <a:off x="0" y="0"/>
-          <a:ext cx="0" cy="0"/>
-          <a:chOff x="0" y="0"/>
-          <a:chExt cx="0" cy="0"/>
-        </a:xfrm>
-      </p:grpSpPr>
-      <p:sp>
-        <p:nvSpPr>
-          <p:cNvPr id="59" name="Google Shape;59;p3"/>
-          <p:cNvSpPr txBox="1">
-            <a:spLocks noGrp="1"/>
-          </p:cNvSpPr>
-          <p:nvPr>
-            <p:ph type="title"/>
-          </p:nvPr>
-        </p:nvSpPr>
-        <p:spPr>
-          <a:xfrm>
-            <a:off x="605980" y="310143"/>
-            <a:ext cx="10515600" cy="649800"/>
-          </a:xfrm>
-          <a:prstGeom prst="rect">
-            <a:avLst/>
-          </a:prstGeom>
-          <a:noFill/>
-          <a:ln>
-            <a:noFill/>
-          </a:ln>
-        </p:spPr>
-        <p:txBody>
-          <a:bodyPr spcFirstLastPara="1" wrap="square" lIns="91425" tIns="45700" rIns="91425" bIns="45700" anchor="ctr" anchorCtr="0">
-            <a:normAutofit fontScale="90000"/>
-          </a:bodyPr>
-          <a:lstStyle/>
-          <a:p>
-            <a:pPr marL="0" lvl="0" indent="0" algn="l" rtl="0">
-              <a:lnSpc>
-                <a:spcPct val="90000"/>
-              </a:lnSpc>
-              <a:spcBef>
-                <a:spcPts val="0"/>
-              </a:spcBef>
-              <a:spcAft>
-                <a:spcPts val="0"/>
-              </a:spcAft>
-              <a:buClr>
-                <a:schemeClr val="dk1"/>
-              </a:buClr>
-              <a:buSzPts val="4400"/>
-              <a:buFont typeface="Malgun Gothic"/>
-              <a:buNone/>
-            </a:pPr>
-            <a:r>
-              <a:rPr lang="en-US" dirty="0"/>
-              <a:t>Shell</a:t>
-            </a:r>
-            <a:r>
-              <a:rPr lang="ko-KR" altLang="en-US" dirty="0"/>
-              <a:t> </a:t>
-            </a:r>
-            <a:r>
-              <a:rPr lang="en-US" altLang="ko-KR" dirty="0"/>
-              <a:t>Module</a:t>
-            </a:r>
-            <a:r>
-              <a:rPr lang="ko-KR" altLang="en-US" dirty="0"/>
-              <a:t> </a:t>
-            </a:r>
-            <a:r>
-              <a:rPr lang="en-US" altLang="ko-KR" dirty="0"/>
-              <a:t>Diagram (Package)</a:t>
-            </a:r>
-            <a:endParaRPr dirty="0"/>
-          </a:p>
-        </p:txBody>
-      </p:sp>
-      <p:pic>
-        <p:nvPicPr>
-          <p:cNvPr id="5" name="그림 4">
-            <a:extLst>
-              <a:ext uri="{FF2B5EF4-FFF2-40B4-BE49-F238E27FC236}">
-                <a16:creationId xmlns:a16="http://schemas.microsoft.com/office/drawing/2014/main" id="{9225899E-BC1B-462C-B577-A175E0B90324}"/>
-              </a:ext>
-            </a:extLst>
-          </p:cNvPr>
-          <p:cNvPicPr>
-            <a:picLocks noChangeAspect="1"/>
-          </p:cNvPicPr>
-          <p:nvPr/>
-        </p:nvPicPr>
-        <p:blipFill>
-          <a:blip r:embed="rId3"/>
-          <a:stretch>
-            <a:fillRect/>
-          </a:stretch>
-        </p:blipFill>
-        <p:spPr>
-          <a:xfrm>
-            <a:off x="976964" y="1617829"/>
-            <a:ext cx="8902326" cy="5011344"/>
-          </a:xfrm>
-          <a:prstGeom prst="rect">
-            <a:avLst/>
-          </a:prstGeom>
-        </p:spPr>
-      </p:pic>
-      <p:sp>
-        <p:nvSpPr>
-          <p:cNvPr id="6" name="TextBox 5">
-            <a:extLst>
-              <a:ext uri="{FF2B5EF4-FFF2-40B4-BE49-F238E27FC236}">
-                <a16:creationId xmlns:a16="http://schemas.microsoft.com/office/drawing/2014/main" id="{553E128E-6B9F-449F-8B2B-E8EEDC45B567}"/>
-              </a:ext>
-            </a:extLst>
-          </p:cNvPr>
-          <p:cNvSpPr txBox="1"/>
-          <p:nvPr/>
-        </p:nvSpPr>
-        <p:spPr>
-          <a:xfrm>
-            <a:off x="605980" y="1134997"/>
-            <a:ext cx="4935894" cy="307777"/>
-          </a:xfrm>
-          <a:prstGeom prst="rect">
-            <a:avLst/>
-          </a:prstGeom>
-          <a:noFill/>
-        </p:spPr>
-        <p:txBody>
-          <a:bodyPr wrap="square" rtlCol="0">
-            <a:spAutoFit/>
-          </a:bodyPr>
-          <a:lstStyle/>
-          <a:p>
-            <a:r>
-              <a:rPr lang="en-US" altLang="ko-KR" dirty="0">
-                <a:solidFill>
-                  <a:srgbClr val="FF0000"/>
-                </a:solidFill>
-              </a:rPr>
-              <a:t>* Shell UML: </a:t>
-            </a:r>
-            <a:r>
-              <a:rPr lang="ko-KR" altLang="en-US" dirty="0">
-                <a:solidFill>
-                  <a:srgbClr val="FF0000"/>
-                </a:solidFill>
-              </a:rPr>
-              <a:t>자세한 내용 </a:t>
-            </a:r>
-            <a:r>
-              <a:rPr lang="en-US" altLang="ko-KR" dirty="0" err="1">
-                <a:solidFill>
-                  <a:srgbClr val="FF0000"/>
-                </a:solidFill>
-              </a:rPr>
-              <a:t>shell_uml.mdj</a:t>
-            </a:r>
-            <a:r>
-              <a:rPr lang="en-US" altLang="ko-KR" dirty="0">
-                <a:solidFill>
-                  <a:srgbClr val="FF0000"/>
-                </a:solidFill>
-              </a:rPr>
-              <a:t> </a:t>
-            </a:r>
-            <a:r>
-              <a:rPr lang="ko-KR" altLang="en-US" dirty="0">
-                <a:solidFill>
-                  <a:srgbClr val="FF0000"/>
-                </a:solidFill>
-              </a:rPr>
-              <a:t>참조</a:t>
-            </a:r>
-          </a:p>
-        </p:txBody>
-      </p:sp>
-    </p:spTree>
-    <p:extLst>
-      <p:ext uri="{BB962C8B-B14F-4D97-AF65-F5344CB8AC3E}">
-        <p14:creationId xmlns:p14="http://schemas.microsoft.com/office/powerpoint/2010/main" val="1466246643"/>
-      </p:ext>
-    </p:extLst>
-  </p:cSld>
-  <p:clrMapOvr>
-    <a:masterClrMapping/>
-  </p:clrMapOvr>
-</p:sld>
-</file>
-
-<file path=ppt/slides/slide14.xml><?xml version="1.0" encoding="utf-8"?>
-<p:sld xmlns:a="http://schemas.openxmlformats.org/drawingml/2006/main" xmlns:r="http://schemas.openxmlformats.org/officeDocument/2006/relationships" xmlns:p="http://schemas.openxmlformats.org/presentationml/2006/main">
-  <p:cSld>
-    <p:spTree>
-      <p:nvGrpSpPr>
-        <p:cNvPr id="1" name="Shape 58"/>
-        <p:cNvGrpSpPr/>
-        <p:nvPr/>
-      </p:nvGrpSpPr>
-      <p:grpSpPr>
-        <a:xfrm>
-          <a:off x="0" y="0"/>
-          <a:ext cx="0" cy="0"/>
-          <a:chOff x="0" y="0"/>
-          <a:chExt cx="0" cy="0"/>
-        </a:xfrm>
-      </p:grpSpPr>
-      <p:sp>
-        <p:nvSpPr>
-          <p:cNvPr id="59" name="Google Shape;59;p3"/>
-          <p:cNvSpPr txBox="1">
-            <a:spLocks noGrp="1"/>
-          </p:cNvSpPr>
-          <p:nvPr>
-            <p:ph type="title"/>
-          </p:nvPr>
-        </p:nvSpPr>
-        <p:spPr>
-          <a:xfrm>
-            <a:off x="605980" y="310143"/>
-            <a:ext cx="10515600" cy="649800"/>
-          </a:xfrm>
-          <a:prstGeom prst="rect">
-            <a:avLst/>
-          </a:prstGeom>
-          <a:noFill/>
-          <a:ln>
-            <a:noFill/>
-          </a:ln>
-        </p:spPr>
-        <p:txBody>
-          <a:bodyPr spcFirstLastPara="1" wrap="square" lIns="91425" tIns="45700" rIns="91425" bIns="45700" anchor="ctr" anchorCtr="0">
-            <a:normAutofit fontScale="90000"/>
-          </a:bodyPr>
-          <a:lstStyle/>
-          <a:p>
-            <a:pPr marL="0" lvl="0" indent="0" algn="l" rtl="0">
-              <a:lnSpc>
-                <a:spcPct val="90000"/>
-              </a:lnSpc>
-              <a:spcBef>
-                <a:spcPts val="0"/>
-              </a:spcBef>
-              <a:spcAft>
-                <a:spcPts val="0"/>
-              </a:spcAft>
-              <a:buClr>
-                <a:schemeClr val="dk1"/>
-              </a:buClr>
-              <a:buSzPts val="4400"/>
-              <a:buFont typeface="Malgun Gothic"/>
-              <a:buNone/>
-            </a:pPr>
-            <a:r>
-              <a:rPr lang="en-US" dirty="0"/>
-              <a:t>Shell</a:t>
-            </a:r>
-            <a:r>
-              <a:rPr lang="ko-KR" altLang="en-US" dirty="0"/>
-              <a:t> </a:t>
-            </a:r>
-            <a:r>
-              <a:rPr lang="en-US" altLang="ko-KR" dirty="0"/>
-              <a:t>Module</a:t>
-            </a:r>
-            <a:r>
-              <a:rPr lang="ko-KR" altLang="en-US" dirty="0"/>
-              <a:t> </a:t>
-            </a:r>
-            <a:r>
-              <a:rPr lang="en-US" altLang="ko-KR" dirty="0"/>
-              <a:t>Diagram </a:t>
-            </a:r>
-            <a:endParaRPr dirty="0"/>
-          </a:p>
-        </p:txBody>
-      </p:sp>
-      <p:pic>
-        <p:nvPicPr>
-          <p:cNvPr id="5" name="그림 4">
-            <a:extLst>
-              <a:ext uri="{FF2B5EF4-FFF2-40B4-BE49-F238E27FC236}">
-                <a16:creationId xmlns:a16="http://schemas.microsoft.com/office/drawing/2014/main" id="{8691264C-CD80-4ED1-8CB9-53DFD329274E}"/>
-              </a:ext>
-            </a:extLst>
-          </p:cNvPr>
-          <p:cNvPicPr>
-            <a:picLocks noChangeAspect="1"/>
-          </p:cNvPicPr>
-          <p:nvPr/>
-        </p:nvPicPr>
-        <p:blipFill>
-          <a:blip r:embed="rId3"/>
-          <a:stretch>
-            <a:fillRect/>
-          </a:stretch>
-        </p:blipFill>
-        <p:spPr>
-          <a:xfrm>
-            <a:off x="6249971" y="1183261"/>
-            <a:ext cx="3512556" cy="2919173"/>
-          </a:xfrm>
-          <a:prstGeom prst="rect">
-            <a:avLst/>
-          </a:prstGeom>
-        </p:spPr>
-      </p:pic>
-      <p:sp>
-        <p:nvSpPr>
-          <p:cNvPr id="6" name="TextBox 5">
-            <a:extLst>
-              <a:ext uri="{FF2B5EF4-FFF2-40B4-BE49-F238E27FC236}">
-                <a16:creationId xmlns:a16="http://schemas.microsoft.com/office/drawing/2014/main" id="{B9F091B2-D50D-4A14-AA19-43DE02D8586D}"/>
-              </a:ext>
-            </a:extLst>
-          </p:cNvPr>
-          <p:cNvSpPr txBox="1"/>
-          <p:nvPr/>
-        </p:nvSpPr>
-        <p:spPr>
-          <a:xfrm>
-            <a:off x="436297" y="1428305"/>
-            <a:ext cx="4935894" cy="738664"/>
-          </a:xfrm>
-          <a:prstGeom prst="rect">
-            <a:avLst/>
-          </a:prstGeom>
-          <a:noFill/>
-        </p:spPr>
-        <p:txBody>
-          <a:bodyPr wrap="square" rtlCol="0">
-            <a:spAutoFit/>
-          </a:bodyPr>
-          <a:lstStyle/>
-          <a:p>
-            <a:r>
-              <a:rPr lang="en-US" altLang="ko-KR" dirty="0">
-                <a:solidFill>
-                  <a:srgbClr val="FF0000"/>
-                </a:solidFill>
-              </a:rPr>
-              <a:t>* </a:t>
-            </a:r>
-            <a:r>
-              <a:rPr lang="en-US" altLang="ko-KR" dirty="0" err="1">
-                <a:solidFill>
-                  <a:srgbClr val="FF0000"/>
-                </a:solidFill>
-              </a:rPr>
-              <a:t>Ssd</a:t>
-            </a:r>
-            <a:r>
-              <a:rPr lang="en-US" altLang="ko-KR" dirty="0">
-                <a:solidFill>
-                  <a:srgbClr val="FF0000"/>
-                </a:solidFill>
-              </a:rPr>
-              <a:t> Driver:</a:t>
-            </a:r>
-          </a:p>
-          <a:p>
-            <a:pPr marL="285750" indent="-285750">
-              <a:buFontTx/>
-              <a:buChar char="-"/>
-            </a:pPr>
-            <a:r>
-              <a:rPr lang="en-US" altLang="ko-KR" dirty="0" err="1">
-                <a:solidFill>
-                  <a:srgbClr val="FF0000"/>
-                </a:solidFill>
-              </a:rPr>
-              <a:t>SsdDriver</a:t>
-            </a:r>
-            <a:r>
-              <a:rPr lang="ko-KR" altLang="en-US" dirty="0">
-                <a:solidFill>
-                  <a:srgbClr val="FF0000"/>
-                </a:solidFill>
-              </a:rPr>
-              <a:t>를 </a:t>
-            </a:r>
-            <a:r>
-              <a:rPr lang="en-US" altLang="ko-KR" dirty="0">
-                <a:solidFill>
-                  <a:srgbClr val="FF0000"/>
-                </a:solidFill>
-              </a:rPr>
-              <a:t>interface</a:t>
-            </a:r>
-            <a:r>
-              <a:rPr lang="ko-KR" altLang="en-US" dirty="0">
-                <a:solidFill>
-                  <a:srgbClr val="FF0000"/>
-                </a:solidFill>
-              </a:rPr>
-              <a:t>형태로 제작</a:t>
-            </a:r>
-            <a:endParaRPr lang="en-US" altLang="ko-KR" dirty="0">
-              <a:solidFill>
-                <a:srgbClr val="FF0000"/>
-              </a:solidFill>
-            </a:endParaRPr>
-          </a:p>
-          <a:p>
-            <a:pPr marL="285750" indent="-285750">
-              <a:buFontTx/>
-              <a:buChar char="-"/>
-            </a:pPr>
-            <a:r>
-              <a:rPr lang="en-US" altLang="ko-KR" dirty="0" err="1">
-                <a:solidFill>
-                  <a:srgbClr val="FF0000"/>
-                </a:solidFill>
-              </a:rPr>
-              <a:t>SsdDriverStore</a:t>
-            </a:r>
-            <a:r>
-              <a:rPr lang="ko-KR" altLang="en-US" dirty="0">
-                <a:solidFill>
-                  <a:srgbClr val="FF0000"/>
-                </a:solidFill>
-              </a:rPr>
-              <a:t>를 통해 </a:t>
-            </a:r>
-            <a:r>
-              <a:rPr lang="en-US" altLang="ko-KR" dirty="0">
-                <a:solidFill>
-                  <a:srgbClr val="FF0000"/>
-                </a:solidFill>
-              </a:rPr>
-              <a:t>DI</a:t>
-            </a:r>
-            <a:r>
-              <a:rPr lang="ko-KR" altLang="en-US" dirty="0">
-                <a:solidFill>
-                  <a:srgbClr val="FF0000"/>
-                </a:solidFill>
-              </a:rPr>
-              <a:t>된 </a:t>
-            </a:r>
-            <a:r>
-              <a:rPr lang="en-US" altLang="ko-KR" dirty="0" err="1">
-                <a:solidFill>
-                  <a:srgbClr val="FF0000"/>
-                </a:solidFill>
-              </a:rPr>
-              <a:t>SsdDriverInterface</a:t>
-            </a:r>
-            <a:r>
-              <a:rPr lang="en-US" altLang="ko-KR" dirty="0">
-                <a:solidFill>
-                  <a:srgbClr val="FF0000"/>
-                </a:solidFill>
-              </a:rPr>
-              <a:t> </a:t>
-            </a:r>
-            <a:r>
-              <a:rPr lang="ko-KR" altLang="en-US" dirty="0">
-                <a:solidFill>
-                  <a:srgbClr val="FF0000"/>
-                </a:solidFill>
-              </a:rPr>
-              <a:t>사용</a:t>
-            </a:r>
-            <a:r>
-              <a:rPr lang="en-US" altLang="ko-KR" dirty="0">
-                <a:solidFill>
-                  <a:srgbClr val="FF0000"/>
-                </a:solidFill>
-              </a:rPr>
-              <a:t>.</a:t>
-            </a:r>
-            <a:endParaRPr lang="ko-KR" altLang="en-US" dirty="0">
-              <a:solidFill>
-                <a:srgbClr val="FF0000"/>
-              </a:solidFill>
-            </a:endParaRPr>
-          </a:p>
-        </p:txBody>
-      </p:sp>
-      <p:sp>
-        <p:nvSpPr>
-          <p:cNvPr id="7" name="TextBox 6">
-            <a:extLst>
-              <a:ext uri="{FF2B5EF4-FFF2-40B4-BE49-F238E27FC236}">
-                <a16:creationId xmlns:a16="http://schemas.microsoft.com/office/drawing/2014/main" id="{2D25D6F3-BFF2-4D3E-A25A-0A3E7499D5AC}"/>
-              </a:ext>
-            </a:extLst>
-          </p:cNvPr>
-          <p:cNvSpPr txBox="1"/>
-          <p:nvPr/>
-        </p:nvSpPr>
-        <p:spPr>
-          <a:xfrm>
-            <a:off x="436297" y="4691032"/>
-            <a:ext cx="4935894" cy="307777"/>
-          </a:xfrm>
-          <a:prstGeom prst="rect">
-            <a:avLst/>
-          </a:prstGeom>
-          <a:noFill/>
-        </p:spPr>
-        <p:txBody>
-          <a:bodyPr wrap="square" rtlCol="0">
-            <a:spAutoFit/>
-          </a:bodyPr>
-          <a:lstStyle/>
-          <a:p>
-            <a:r>
-              <a:rPr lang="en-US" altLang="ko-KR" dirty="0">
-                <a:solidFill>
-                  <a:srgbClr val="FF0000"/>
-                </a:solidFill>
-              </a:rPr>
-              <a:t>* Utility:.</a:t>
-            </a:r>
-            <a:endParaRPr lang="ko-KR" altLang="en-US" dirty="0">
-              <a:solidFill>
-                <a:srgbClr val="FF0000"/>
-              </a:solidFill>
-            </a:endParaRPr>
-          </a:p>
-        </p:txBody>
-      </p:sp>
-      <p:pic>
-        <p:nvPicPr>
-          <p:cNvPr id="8" name="그림 7">
-            <a:extLst>
-              <a:ext uri="{FF2B5EF4-FFF2-40B4-BE49-F238E27FC236}">
-                <a16:creationId xmlns:a16="http://schemas.microsoft.com/office/drawing/2014/main" id="{820183E7-3322-455B-AECE-12EF17C73388}"/>
-              </a:ext>
-            </a:extLst>
-          </p:cNvPr>
-          <p:cNvPicPr>
-            <a:picLocks noChangeAspect="1"/>
-          </p:cNvPicPr>
-          <p:nvPr/>
-        </p:nvPicPr>
-        <p:blipFill>
-          <a:blip r:embed="rId4"/>
-          <a:stretch>
-            <a:fillRect/>
-          </a:stretch>
-        </p:blipFill>
-        <p:spPr>
-          <a:xfrm>
-            <a:off x="2550147" y="5178277"/>
-            <a:ext cx="2705100" cy="1219200"/>
-          </a:xfrm>
-          <a:prstGeom prst="rect">
-            <a:avLst/>
-          </a:prstGeom>
-        </p:spPr>
-      </p:pic>
-    </p:spTree>
-    <p:extLst>
-      <p:ext uri="{BB962C8B-B14F-4D97-AF65-F5344CB8AC3E}">
-        <p14:creationId xmlns:p14="http://schemas.microsoft.com/office/powerpoint/2010/main" val="3936283791"/>
       </p:ext>
     </p:extLst>
   </p:cSld>
@@ -8050,6 +7564,784 @@
             </a:r>
             <a:r>
               <a:rPr lang="en-US" altLang="ko-KR" dirty="0"/>
+              <a:t>Feature</a:t>
+            </a:r>
+            <a:r>
+              <a:rPr lang="ko-KR" altLang="en-US" dirty="0"/>
+              <a:t> </a:t>
+            </a:r>
+            <a:r>
+              <a:rPr lang="en-US" altLang="ko-KR" dirty="0"/>
+              <a:t>list</a:t>
+            </a:r>
+            <a:endParaRPr dirty="0"/>
+          </a:p>
+        </p:txBody>
+      </p:sp>
+      <p:sp>
+        <p:nvSpPr>
+          <p:cNvPr id="60" name="Google Shape;60;p3"/>
+          <p:cNvSpPr txBox="1">
+            <a:spLocks noGrp="1"/>
+          </p:cNvSpPr>
+          <p:nvPr>
+            <p:ph type="body" idx="1"/>
+          </p:nvPr>
+        </p:nvSpPr>
+        <p:spPr>
+          <a:xfrm>
+            <a:off x="605980" y="1316376"/>
+            <a:ext cx="10515600" cy="4927800"/>
+          </a:xfrm>
+          <a:prstGeom prst="rect">
+            <a:avLst/>
+          </a:prstGeom>
+          <a:noFill/>
+          <a:ln>
+            <a:noFill/>
+          </a:ln>
+        </p:spPr>
+        <p:txBody>
+          <a:bodyPr spcFirstLastPara="1" wrap="square" lIns="91425" tIns="45700" rIns="91425" bIns="45700" anchor="t" anchorCtr="0">
+            <a:normAutofit/>
+          </a:bodyPr>
+          <a:lstStyle/>
+          <a:p>
+            <a:pPr marL="635000" lvl="0" indent="-457200" algn="l" rtl="0">
+              <a:lnSpc>
+                <a:spcPct val="90000"/>
+              </a:lnSpc>
+              <a:spcBef>
+                <a:spcPts val="0"/>
+              </a:spcBef>
+              <a:spcAft>
+                <a:spcPts val="0"/>
+              </a:spcAft>
+              <a:buClr>
+                <a:schemeClr val="dk1"/>
+              </a:buClr>
+              <a:buSzPts val="2800"/>
+              <a:buFontTx/>
+              <a:buChar char="-"/>
+            </a:pPr>
+            <a:r>
+              <a:rPr lang="en-US" altLang="ko-KR" dirty="0"/>
+              <a:t>Shell Interface / Shell command</a:t>
+            </a:r>
+          </a:p>
+          <a:p>
+            <a:pPr marL="635000" lvl="0" indent="-457200" algn="l" rtl="0">
+              <a:lnSpc>
+                <a:spcPct val="90000"/>
+              </a:lnSpc>
+              <a:spcBef>
+                <a:spcPts val="0"/>
+              </a:spcBef>
+              <a:spcAft>
+                <a:spcPts val="0"/>
+              </a:spcAft>
+              <a:buClr>
+                <a:schemeClr val="dk1"/>
+              </a:buClr>
+              <a:buSzPts val="2800"/>
+              <a:buFontTx/>
+              <a:buChar char="-"/>
+            </a:pPr>
+            <a:r>
+              <a:rPr lang="en-US" dirty="0"/>
+              <a:t>Shell Script loader</a:t>
+            </a:r>
+          </a:p>
+          <a:p>
+            <a:pPr marL="635000" lvl="0" indent="-457200" algn="l" rtl="0">
+              <a:lnSpc>
+                <a:spcPct val="90000"/>
+              </a:lnSpc>
+              <a:spcBef>
+                <a:spcPts val="0"/>
+              </a:spcBef>
+              <a:spcAft>
+                <a:spcPts val="0"/>
+              </a:spcAft>
+              <a:buClr>
+                <a:schemeClr val="dk1"/>
+              </a:buClr>
+              <a:buSzPts val="2800"/>
+              <a:buFontTx/>
+              <a:buChar char="-"/>
+            </a:pPr>
+            <a:r>
+              <a:rPr lang="en-US" dirty="0"/>
+              <a:t>Logger</a:t>
+            </a:r>
+            <a:endParaRPr dirty="0"/>
+          </a:p>
+        </p:txBody>
+      </p:sp>
+    </p:spTree>
+    <p:extLst>
+      <p:ext uri="{BB962C8B-B14F-4D97-AF65-F5344CB8AC3E}">
+        <p14:creationId xmlns:p14="http://schemas.microsoft.com/office/powerpoint/2010/main" val="4254164045"/>
+      </p:ext>
+    </p:extLst>
+  </p:cSld>
+  <p:clrMapOvr>
+    <a:masterClrMapping/>
+  </p:clrMapOvr>
+</p:sld>
+</file>
+
+<file path=ppt/slides/slide16.xml><?xml version="1.0" encoding="utf-8"?>
+<p:sld xmlns:a="http://schemas.openxmlformats.org/drawingml/2006/main" xmlns:r="http://schemas.openxmlformats.org/officeDocument/2006/relationships" xmlns:p="http://schemas.openxmlformats.org/presentationml/2006/main">
+  <p:cSld>
+    <p:spTree>
+      <p:nvGrpSpPr>
+        <p:cNvPr id="1" name="Shape 58"/>
+        <p:cNvGrpSpPr/>
+        <p:nvPr/>
+      </p:nvGrpSpPr>
+      <p:grpSpPr>
+        <a:xfrm>
+          <a:off x="0" y="0"/>
+          <a:ext cx="0" cy="0"/>
+          <a:chOff x="0" y="0"/>
+          <a:chExt cx="0" cy="0"/>
+        </a:xfrm>
+      </p:grpSpPr>
+      <p:sp>
+        <p:nvSpPr>
+          <p:cNvPr id="59" name="Google Shape;59;p3"/>
+          <p:cNvSpPr txBox="1">
+            <a:spLocks noGrp="1"/>
+          </p:cNvSpPr>
+          <p:nvPr>
+            <p:ph type="title"/>
+          </p:nvPr>
+        </p:nvSpPr>
+        <p:spPr>
+          <a:xfrm>
+            <a:off x="605980" y="310143"/>
+            <a:ext cx="10515600" cy="649800"/>
+          </a:xfrm>
+          <a:prstGeom prst="rect">
+            <a:avLst/>
+          </a:prstGeom>
+          <a:noFill/>
+          <a:ln>
+            <a:noFill/>
+          </a:ln>
+        </p:spPr>
+        <p:txBody>
+          <a:bodyPr spcFirstLastPara="1" wrap="square" lIns="91425" tIns="45700" rIns="91425" bIns="45700" anchor="ctr" anchorCtr="0">
+            <a:normAutofit fontScale="90000"/>
+          </a:bodyPr>
+          <a:lstStyle/>
+          <a:p>
+            <a:pPr marL="0" lvl="0" indent="0" algn="l" rtl="0">
+              <a:lnSpc>
+                <a:spcPct val="90000"/>
+              </a:lnSpc>
+              <a:spcBef>
+                <a:spcPts val="0"/>
+              </a:spcBef>
+              <a:spcAft>
+                <a:spcPts val="0"/>
+              </a:spcAft>
+              <a:buClr>
+                <a:schemeClr val="dk1"/>
+              </a:buClr>
+              <a:buSzPts val="4400"/>
+              <a:buFont typeface="Malgun Gothic"/>
+              <a:buNone/>
+            </a:pPr>
+            <a:r>
+              <a:rPr lang="en-US" dirty="0"/>
+              <a:t>Shell</a:t>
+            </a:r>
+            <a:r>
+              <a:rPr lang="ko-KR" altLang="en-US" dirty="0"/>
+              <a:t> </a:t>
+            </a:r>
+            <a:r>
+              <a:rPr lang="en-US" altLang="ko-KR" dirty="0"/>
+              <a:t>Module</a:t>
+            </a:r>
+            <a:r>
+              <a:rPr lang="ko-KR" altLang="en-US" dirty="0"/>
+              <a:t> </a:t>
+            </a:r>
+            <a:r>
+              <a:rPr lang="en-US" altLang="ko-KR" dirty="0"/>
+              <a:t>Diagram (Package)</a:t>
+            </a:r>
+            <a:endParaRPr dirty="0"/>
+          </a:p>
+        </p:txBody>
+      </p:sp>
+      <p:pic>
+        <p:nvPicPr>
+          <p:cNvPr id="5" name="그림 4">
+            <a:extLst>
+              <a:ext uri="{FF2B5EF4-FFF2-40B4-BE49-F238E27FC236}">
+                <a16:creationId xmlns:a16="http://schemas.microsoft.com/office/drawing/2014/main" id="{9225899E-BC1B-462C-B577-A175E0B90324}"/>
+              </a:ext>
+            </a:extLst>
+          </p:cNvPr>
+          <p:cNvPicPr>
+            <a:picLocks noChangeAspect="1"/>
+          </p:cNvPicPr>
+          <p:nvPr/>
+        </p:nvPicPr>
+        <p:blipFill>
+          <a:blip r:embed="rId3"/>
+          <a:stretch>
+            <a:fillRect/>
+          </a:stretch>
+        </p:blipFill>
+        <p:spPr>
+          <a:xfrm>
+            <a:off x="976964" y="1617829"/>
+            <a:ext cx="8902326" cy="5011344"/>
+          </a:xfrm>
+          <a:prstGeom prst="rect">
+            <a:avLst/>
+          </a:prstGeom>
+        </p:spPr>
+      </p:pic>
+      <p:sp>
+        <p:nvSpPr>
+          <p:cNvPr id="6" name="TextBox 5">
+            <a:extLst>
+              <a:ext uri="{FF2B5EF4-FFF2-40B4-BE49-F238E27FC236}">
+                <a16:creationId xmlns:a16="http://schemas.microsoft.com/office/drawing/2014/main" id="{553E128E-6B9F-449F-8B2B-E8EEDC45B567}"/>
+              </a:ext>
+            </a:extLst>
+          </p:cNvPr>
+          <p:cNvSpPr txBox="1"/>
+          <p:nvPr/>
+        </p:nvSpPr>
+        <p:spPr>
+          <a:xfrm>
+            <a:off x="605980" y="1134997"/>
+            <a:ext cx="4935894" cy="307777"/>
+          </a:xfrm>
+          <a:prstGeom prst="rect">
+            <a:avLst/>
+          </a:prstGeom>
+          <a:noFill/>
+        </p:spPr>
+        <p:txBody>
+          <a:bodyPr wrap="square" rtlCol="0">
+            <a:spAutoFit/>
+          </a:bodyPr>
+          <a:lstStyle/>
+          <a:p>
+            <a:r>
+              <a:rPr lang="en-US" altLang="ko-KR" dirty="0">
+                <a:solidFill>
+                  <a:srgbClr val="FF0000"/>
+                </a:solidFill>
+              </a:rPr>
+              <a:t>* Shell UML: </a:t>
+            </a:r>
+            <a:r>
+              <a:rPr lang="ko-KR" altLang="en-US" dirty="0">
+                <a:solidFill>
+                  <a:srgbClr val="FF0000"/>
+                </a:solidFill>
+              </a:rPr>
+              <a:t>자세한 내용 </a:t>
+            </a:r>
+            <a:r>
+              <a:rPr lang="en-US" altLang="ko-KR" dirty="0" err="1">
+                <a:solidFill>
+                  <a:srgbClr val="FF0000"/>
+                </a:solidFill>
+              </a:rPr>
+              <a:t>shell_uml.mdj</a:t>
+            </a:r>
+            <a:r>
+              <a:rPr lang="en-US" altLang="ko-KR" dirty="0">
+                <a:solidFill>
+                  <a:srgbClr val="FF0000"/>
+                </a:solidFill>
+              </a:rPr>
+              <a:t> </a:t>
+            </a:r>
+            <a:r>
+              <a:rPr lang="ko-KR" altLang="en-US" dirty="0">
+                <a:solidFill>
+                  <a:srgbClr val="FF0000"/>
+                </a:solidFill>
+              </a:rPr>
+              <a:t>참조</a:t>
+            </a:r>
+          </a:p>
+        </p:txBody>
+      </p:sp>
+    </p:spTree>
+    <p:extLst>
+      <p:ext uri="{BB962C8B-B14F-4D97-AF65-F5344CB8AC3E}">
+        <p14:creationId xmlns:p14="http://schemas.microsoft.com/office/powerpoint/2010/main" val="1466246643"/>
+      </p:ext>
+    </p:extLst>
+  </p:cSld>
+  <p:clrMapOvr>
+    <a:masterClrMapping/>
+  </p:clrMapOvr>
+</p:sld>
+</file>
+
+<file path=ppt/slides/slide17.xml><?xml version="1.0" encoding="utf-8"?>
+<p:sld xmlns:a="http://schemas.openxmlformats.org/drawingml/2006/main" xmlns:r="http://schemas.openxmlformats.org/officeDocument/2006/relationships" xmlns:p="http://schemas.openxmlformats.org/presentationml/2006/main">
+  <p:cSld>
+    <p:spTree>
+      <p:nvGrpSpPr>
+        <p:cNvPr id="1" name="Shape 58"/>
+        <p:cNvGrpSpPr/>
+        <p:nvPr/>
+      </p:nvGrpSpPr>
+      <p:grpSpPr>
+        <a:xfrm>
+          <a:off x="0" y="0"/>
+          <a:ext cx="0" cy="0"/>
+          <a:chOff x="0" y="0"/>
+          <a:chExt cx="0" cy="0"/>
+        </a:xfrm>
+      </p:grpSpPr>
+      <p:sp>
+        <p:nvSpPr>
+          <p:cNvPr id="59" name="Google Shape;59;p3"/>
+          <p:cNvSpPr txBox="1">
+            <a:spLocks noGrp="1"/>
+          </p:cNvSpPr>
+          <p:nvPr>
+            <p:ph type="title"/>
+          </p:nvPr>
+        </p:nvSpPr>
+        <p:spPr>
+          <a:xfrm>
+            <a:off x="605980" y="310143"/>
+            <a:ext cx="10515600" cy="649800"/>
+          </a:xfrm>
+          <a:prstGeom prst="rect">
+            <a:avLst/>
+          </a:prstGeom>
+          <a:noFill/>
+          <a:ln>
+            <a:noFill/>
+          </a:ln>
+        </p:spPr>
+        <p:txBody>
+          <a:bodyPr spcFirstLastPara="1" wrap="square" lIns="91425" tIns="45700" rIns="91425" bIns="45700" anchor="ctr" anchorCtr="0">
+            <a:normAutofit fontScale="90000"/>
+          </a:bodyPr>
+          <a:lstStyle/>
+          <a:p>
+            <a:pPr marL="0" lvl="0" indent="0" algn="l" rtl="0">
+              <a:lnSpc>
+                <a:spcPct val="90000"/>
+              </a:lnSpc>
+              <a:spcBef>
+                <a:spcPts val="0"/>
+              </a:spcBef>
+              <a:spcAft>
+                <a:spcPts val="0"/>
+              </a:spcAft>
+              <a:buClr>
+                <a:schemeClr val="dk1"/>
+              </a:buClr>
+              <a:buSzPts val="4400"/>
+              <a:buFont typeface="Malgun Gothic"/>
+              <a:buNone/>
+            </a:pPr>
+            <a:r>
+              <a:rPr lang="en-US" dirty="0"/>
+              <a:t>Shell</a:t>
+            </a:r>
+            <a:r>
+              <a:rPr lang="ko-KR" altLang="en-US" dirty="0"/>
+              <a:t> </a:t>
+            </a:r>
+            <a:r>
+              <a:rPr lang="en-US" altLang="ko-KR" dirty="0"/>
+              <a:t>Module</a:t>
+            </a:r>
+            <a:r>
+              <a:rPr lang="ko-KR" altLang="en-US" dirty="0"/>
+              <a:t> </a:t>
+            </a:r>
+            <a:r>
+              <a:rPr lang="en-US" altLang="ko-KR" dirty="0"/>
+              <a:t>Diagram </a:t>
+            </a:r>
+            <a:endParaRPr dirty="0"/>
+          </a:p>
+        </p:txBody>
+      </p:sp>
+      <p:pic>
+        <p:nvPicPr>
+          <p:cNvPr id="5" name="그림 4">
+            <a:extLst>
+              <a:ext uri="{FF2B5EF4-FFF2-40B4-BE49-F238E27FC236}">
+                <a16:creationId xmlns:a16="http://schemas.microsoft.com/office/drawing/2014/main" id="{8691264C-CD80-4ED1-8CB9-53DFD329274E}"/>
+              </a:ext>
+            </a:extLst>
+          </p:cNvPr>
+          <p:cNvPicPr>
+            <a:picLocks noChangeAspect="1"/>
+          </p:cNvPicPr>
+          <p:nvPr/>
+        </p:nvPicPr>
+        <p:blipFill>
+          <a:blip r:embed="rId3"/>
+          <a:stretch>
+            <a:fillRect/>
+          </a:stretch>
+        </p:blipFill>
+        <p:spPr>
+          <a:xfrm>
+            <a:off x="6249971" y="1183261"/>
+            <a:ext cx="3512556" cy="2919173"/>
+          </a:xfrm>
+          <a:prstGeom prst="rect">
+            <a:avLst/>
+          </a:prstGeom>
+        </p:spPr>
+      </p:pic>
+      <p:sp>
+        <p:nvSpPr>
+          <p:cNvPr id="6" name="TextBox 5">
+            <a:extLst>
+              <a:ext uri="{FF2B5EF4-FFF2-40B4-BE49-F238E27FC236}">
+                <a16:creationId xmlns:a16="http://schemas.microsoft.com/office/drawing/2014/main" id="{B9F091B2-D50D-4A14-AA19-43DE02D8586D}"/>
+              </a:ext>
+            </a:extLst>
+          </p:cNvPr>
+          <p:cNvSpPr txBox="1"/>
+          <p:nvPr/>
+        </p:nvSpPr>
+        <p:spPr>
+          <a:xfrm>
+            <a:off x="436297" y="1428305"/>
+            <a:ext cx="4935894" cy="738664"/>
+          </a:xfrm>
+          <a:prstGeom prst="rect">
+            <a:avLst/>
+          </a:prstGeom>
+          <a:noFill/>
+        </p:spPr>
+        <p:txBody>
+          <a:bodyPr wrap="square" rtlCol="0">
+            <a:spAutoFit/>
+          </a:bodyPr>
+          <a:lstStyle/>
+          <a:p>
+            <a:r>
+              <a:rPr lang="en-US" altLang="ko-KR" dirty="0">
+                <a:solidFill>
+                  <a:srgbClr val="FF0000"/>
+                </a:solidFill>
+              </a:rPr>
+              <a:t>* </a:t>
+            </a:r>
+            <a:r>
+              <a:rPr lang="en-US" altLang="ko-KR" dirty="0" err="1">
+                <a:solidFill>
+                  <a:srgbClr val="FF0000"/>
+                </a:solidFill>
+              </a:rPr>
+              <a:t>Ssd</a:t>
+            </a:r>
+            <a:r>
+              <a:rPr lang="en-US" altLang="ko-KR" dirty="0">
+                <a:solidFill>
+                  <a:srgbClr val="FF0000"/>
+                </a:solidFill>
+              </a:rPr>
+              <a:t> Driver:</a:t>
+            </a:r>
+          </a:p>
+          <a:p>
+            <a:pPr marL="285750" indent="-285750">
+              <a:buFontTx/>
+              <a:buChar char="-"/>
+            </a:pPr>
+            <a:r>
+              <a:rPr lang="en-US" altLang="ko-KR" dirty="0" err="1">
+                <a:solidFill>
+                  <a:srgbClr val="FF0000"/>
+                </a:solidFill>
+              </a:rPr>
+              <a:t>SsdDriver</a:t>
+            </a:r>
+            <a:r>
+              <a:rPr lang="ko-KR" altLang="en-US" dirty="0">
+                <a:solidFill>
+                  <a:srgbClr val="FF0000"/>
+                </a:solidFill>
+              </a:rPr>
+              <a:t>를 </a:t>
+            </a:r>
+            <a:r>
+              <a:rPr lang="en-US" altLang="ko-KR" dirty="0">
+                <a:solidFill>
+                  <a:srgbClr val="FF0000"/>
+                </a:solidFill>
+              </a:rPr>
+              <a:t>interface</a:t>
+            </a:r>
+            <a:r>
+              <a:rPr lang="ko-KR" altLang="en-US" dirty="0">
+                <a:solidFill>
+                  <a:srgbClr val="FF0000"/>
+                </a:solidFill>
+              </a:rPr>
+              <a:t>형태로 제작</a:t>
+            </a:r>
+            <a:endParaRPr lang="en-US" altLang="ko-KR" dirty="0">
+              <a:solidFill>
+                <a:srgbClr val="FF0000"/>
+              </a:solidFill>
+            </a:endParaRPr>
+          </a:p>
+          <a:p>
+            <a:pPr marL="285750" indent="-285750">
+              <a:buFontTx/>
+              <a:buChar char="-"/>
+            </a:pPr>
+            <a:r>
+              <a:rPr lang="en-US" altLang="ko-KR" dirty="0" err="1">
+                <a:solidFill>
+                  <a:srgbClr val="FF0000"/>
+                </a:solidFill>
+              </a:rPr>
+              <a:t>SsdDriverStore</a:t>
+            </a:r>
+            <a:r>
+              <a:rPr lang="ko-KR" altLang="en-US" dirty="0">
+                <a:solidFill>
+                  <a:srgbClr val="FF0000"/>
+                </a:solidFill>
+              </a:rPr>
+              <a:t>를 통해 </a:t>
+            </a:r>
+            <a:r>
+              <a:rPr lang="en-US" altLang="ko-KR" dirty="0">
+                <a:solidFill>
+                  <a:srgbClr val="FF0000"/>
+                </a:solidFill>
+              </a:rPr>
+              <a:t>DI</a:t>
+            </a:r>
+            <a:r>
+              <a:rPr lang="ko-KR" altLang="en-US" dirty="0">
+                <a:solidFill>
+                  <a:srgbClr val="FF0000"/>
+                </a:solidFill>
+              </a:rPr>
+              <a:t>된 </a:t>
+            </a:r>
+            <a:r>
+              <a:rPr lang="en-US" altLang="ko-KR" dirty="0" err="1">
+                <a:solidFill>
+                  <a:srgbClr val="FF0000"/>
+                </a:solidFill>
+              </a:rPr>
+              <a:t>SsdDriverInterface</a:t>
+            </a:r>
+            <a:r>
+              <a:rPr lang="en-US" altLang="ko-KR" dirty="0">
+                <a:solidFill>
+                  <a:srgbClr val="FF0000"/>
+                </a:solidFill>
+              </a:rPr>
+              <a:t> </a:t>
+            </a:r>
+            <a:r>
+              <a:rPr lang="ko-KR" altLang="en-US" dirty="0">
+                <a:solidFill>
+                  <a:srgbClr val="FF0000"/>
+                </a:solidFill>
+              </a:rPr>
+              <a:t>사용</a:t>
+            </a:r>
+            <a:r>
+              <a:rPr lang="en-US" altLang="ko-KR" dirty="0">
+                <a:solidFill>
+                  <a:srgbClr val="FF0000"/>
+                </a:solidFill>
+              </a:rPr>
+              <a:t>.</a:t>
+            </a:r>
+            <a:endParaRPr lang="ko-KR" altLang="en-US" dirty="0">
+              <a:solidFill>
+                <a:srgbClr val="FF0000"/>
+              </a:solidFill>
+            </a:endParaRPr>
+          </a:p>
+        </p:txBody>
+      </p:sp>
+      <p:sp>
+        <p:nvSpPr>
+          <p:cNvPr id="7" name="TextBox 6">
+            <a:extLst>
+              <a:ext uri="{FF2B5EF4-FFF2-40B4-BE49-F238E27FC236}">
+                <a16:creationId xmlns:a16="http://schemas.microsoft.com/office/drawing/2014/main" id="{2D25D6F3-BFF2-4D3E-A25A-0A3E7499D5AC}"/>
+              </a:ext>
+            </a:extLst>
+          </p:cNvPr>
+          <p:cNvSpPr txBox="1"/>
+          <p:nvPr/>
+        </p:nvSpPr>
+        <p:spPr>
+          <a:xfrm>
+            <a:off x="436297" y="4691032"/>
+            <a:ext cx="4935894" cy="307777"/>
+          </a:xfrm>
+          <a:prstGeom prst="rect">
+            <a:avLst/>
+          </a:prstGeom>
+          <a:noFill/>
+        </p:spPr>
+        <p:txBody>
+          <a:bodyPr wrap="square" rtlCol="0">
+            <a:spAutoFit/>
+          </a:bodyPr>
+          <a:lstStyle/>
+          <a:p>
+            <a:r>
+              <a:rPr lang="en-US" altLang="ko-KR" dirty="0">
+                <a:solidFill>
+                  <a:srgbClr val="FF0000"/>
+                </a:solidFill>
+              </a:rPr>
+              <a:t>* Utility:.</a:t>
+            </a:r>
+            <a:endParaRPr lang="ko-KR" altLang="en-US" dirty="0">
+              <a:solidFill>
+                <a:srgbClr val="FF0000"/>
+              </a:solidFill>
+            </a:endParaRPr>
+          </a:p>
+        </p:txBody>
+      </p:sp>
+      <p:pic>
+        <p:nvPicPr>
+          <p:cNvPr id="8" name="그림 7">
+            <a:extLst>
+              <a:ext uri="{FF2B5EF4-FFF2-40B4-BE49-F238E27FC236}">
+                <a16:creationId xmlns:a16="http://schemas.microsoft.com/office/drawing/2014/main" id="{820183E7-3322-455B-AECE-12EF17C73388}"/>
+              </a:ext>
+            </a:extLst>
+          </p:cNvPr>
+          <p:cNvPicPr>
+            <a:picLocks noChangeAspect="1"/>
+          </p:cNvPicPr>
+          <p:nvPr/>
+        </p:nvPicPr>
+        <p:blipFill>
+          <a:blip r:embed="rId4"/>
+          <a:stretch>
+            <a:fillRect/>
+          </a:stretch>
+        </p:blipFill>
+        <p:spPr>
+          <a:xfrm>
+            <a:off x="2550147" y="5178277"/>
+            <a:ext cx="2705100" cy="1219200"/>
+          </a:xfrm>
+          <a:prstGeom prst="rect">
+            <a:avLst/>
+          </a:prstGeom>
+        </p:spPr>
+      </p:pic>
+    </p:spTree>
+    <p:extLst>
+      <p:ext uri="{BB962C8B-B14F-4D97-AF65-F5344CB8AC3E}">
+        <p14:creationId xmlns:p14="http://schemas.microsoft.com/office/powerpoint/2010/main" val="3936283791"/>
+      </p:ext>
+    </p:extLst>
+  </p:cSld>
+  <p:clrMapOvr>
+    <a:masterClrMapping/>
+  </p:clrMapOvr>
+</p:sld>
+</file>
+
+<file path=ppt/slides/slide18.xml><?xml version="1.0" encoding="utf-8"?>
+<p:sld xmlns:a="http://schemas.openxmlformats.org/drawingml/2006/main" xmlns:r="http://schemas.openxmlformats.org/officeDocument/2006/relationships" xmlns:p="http://schemas.openxmlformats.org/presentationml/2006/main">
+  <p:cSld>
+    <p:spTree>
+      <p:nvGrpSpPr>
+        <p:cNvPr id="1" name="Shape 58"/>
+        <p:cNvGrpSpPr/>
+        <p:nvPr/>
+      </p:nvGrpSpPr>
+      <p:grpSpPr>
+        <a:xfrm>
+          <a:off x="0" y="0"/>
+          <a:ext cx="0" cy="0"/>
+          <a:chOff x="0" y="0"/>
+          <a:chExt cx="0" cy="0"/>
+        </a:xfrm>
+      </p:grpSpPr>
+      <p:sp>
+        <p:nvSpPr>
+          <p:cNvPr id="59" name="Google Shape;59;p3"/>
+          <p:cNvSpPr txBox="1">
+            <a:spLocks noGrp="1"/>
+          </p:cNvSpPr>
+          <p:nvPr>
+            <p:ph type="title"/>
+          </p:nvPr>
+        </p:nvSpPr>
+        <p:spPr>
+          <a:xfrm>
+            <a:off x="605980" y="310143"/>
+            <a:ext cx="10515600" cy="649800"/>
+          </a:xfrm>
+          <a:prstGeom prst="rect">
+            <a:avLst/>
+          </a:prstGeom>
+          <a:noFill/>
+          <a:ln>
+            <a:noFill/>
+          </a:ln>
+        </p:spPr>
+        <p:txBody>
+          <a:bodyPr spcFirstLastPara="1" wrap="square" lIns="91425" tIns="45700" rIns="91425" bIns="45700" anchor="ctr" anchorCtr="0">
+            <a:normAutofit fontScale="90000"/>
+          </a:bodyPr>
+          <a:lstStyle/>
+          <a:p>
+            <a:pPr marL="0" lvl="0" indent="0" algn="l" rtl="0">
+              <a:lnSpc>
+                <a:spcPct val="90000"/>
+              </a:lnSpc>
+              <a:spcBef>
+                <a:spcPts val="0"/>
+              </a:spcBef>
+              <a:spcAft>
+                <a:spcPts val="0"/>
+              </a:spcAft>
+              <a:buClr>
+                <a:schemeClr val="dk1"/>
+              </a:buClr>
+              <a:buSzPts val="4400"/>
+              <a:buFont typeface="Malgun Gothic"/>
+              <a:buNone/>
+            </a:pPr>
+            <a:r>
+              <a:rPr lang="en-US" dirty="0"/>
+              <a:t>Shell</a:t>
+            </a:r>
+            <a:r>
+              <a:rPr lang="ko-KR" altLang="en-US" dirty="0"/>
+              <a:t> </a:t>
+            </a:r>
+            <a:r>
+              <a:rPr lang="en-US" altLang="ko-KR" dirty="0"/>
               <a:t>Module</a:t>
             </a:r>
             <a:r>
@@ -8177,7 +8469,7 @@
 </p:sld>
 </file>
 
-<file path=ppt/slides/slide16.xml><?xml version="1.0" encoding="utf-8"?>
+<file path=ppt/slides/slide19.xml><?xml version="1.0" encoding="utf-8"?>
 <p:sld xmlns:a="http://schemas.openxmlformats.org/drawingml/2006/main" xmlns:r="http://schemas.openxmlformats.org/officeDocument/2006/relationships" xmlns:p="http://schemas.openxmlformats.org/presentationml/2006/main">
   <p:cSld>
     <p:spTree>
@@ -8268,534 +8560,6 @@
 </p:sld>
 </file>
 
-<file path=ppt/slides/slide17.xml><?xml version="1.0" encoding="utf-8"?>
-<p:sld xmlns:a="http://schemas.openxmlformats.org/drawingml/2006/main" xmlns:r="http://schemas.openxmlformats.org/officeDocument/2006/relationships" xmlns:p="http://schemas.openxmlformats.org/presentationml/2006/main">
-  <p:cSld>
-    <p:spTree>
-      <p:nvGrpSpPr>
-        <p:cNvPr id="1" name="Shape 58"/>
-        <p:cNvGrpSpPr/>
-        <p:nvPr/>
-      </p:nvGrpSpPr>
-      <p:grpSpPr>
-        <a:xfrm>
-          <a:off x="0" y="0"/>
-          <a:ext cx="0" cy="0"/>
-          <a:chOff x="0" y="0"/>
-          <a:chExt cx="0" cy="0"/>
-        </a:xfrm>
-      </p:grpSpPr>
-      <p:sp>
-        <p:nvSpPr>
-          <p:cNvPr id="59" name="Google Shape;59;p3"/>
-          <p:cNvSpPr txBox="1">
-            <a:spLocks noGrp="1"/>
-          </p:cNvSpPr>
-          <p:nvPr>
-            <p:ph type="title"/>
-          </p:nvPr>
-        </p:nvSpPr>
-        <p:spPr>
-          <a:xfrm>
-            <a:off x="605980" y="310143"/>
-            <a:ext cx="10515600" cy="649800"/>
-          </a:xfrm>
-          <a:prstGeom prst="rect">
-            <a:avLst/>
-          </a:prstGeom>
-          <a:noFill/>
-          <a:ln>
-            <a:noFill/>
-          </a:ln>
-        </p:spPr>
-        <p:txBody>
-          <a:bodyPr spcFirstLastPara="1" wrap="square" lIns="91425" tIns="45700" rIns="91425" bIns="45700" anchor="ctr" anchorCtr="0">
-            <a:normAutofit fontScale="90000"/>
-          </a:bodyPr>
-          <a:lstStyle/>
-          <a:p>
-            <a:pPr marL="0" lvl="0" indent="0" algn="l" rtl="0">
-              <a:lnSpc>
-                <a:spcPct val="90000"/>
-              </a:lnSpc>
-              <a:spcBef>
-                <a:spcPts val="0"/>
-              </a:spcBef>
-              <a:spcAft>
-                <a:spcPts val="0"/>
-              </a:spcAft>
-              <a:buClr>
-                <a:schemeClr val="dk1"/>
-              </a:buClr>
-              <a:buSzPts val="4400"/>
-              <a:buFont typeface="Malgun Gothic"/>
-              <a:buNone/>
-            </a:pPr>
-            <a:r>
-              <a:rPr lang="en-US" dirty="0"/>
-              <a:t>Shell</a:t>
-            </a:r>
-            <a:r>
-              <a:rPr lang="ko-KR" altLang="en-US" dirty="0"/>
-              <a:t> </a:t>
-            </a:r>
-            <a:r>
-              <a:rPr lang="en-US" altLang="ko-KR" dirty="0"/>
-              <a:t>Module</a:t>
-            </a:r>
-            <a:r>
-              <a:rPr lang="ko-KR" altLang="en-US" dirty="0"/>
-              <a:t> </a:t>
-            </a:r>
-            <a:r>
-              <a:rPr lang="en-US" altLang="ko-KR" dirty="0"/>
-              <a:t>Diagram (</a:t>
-            </a:r>
-            <a:r>
-              <a:rPr lang="en-US" altLang="ko-KR" dirty="0" err="1"/>
-              <a:t>ShellScriptCommand</a:t>
-            </a:r>
-            <a:r>
-              <a:rPr lang="en-US" altLang="ko-KR" dirty="0"/>
-              <a:t>)</a:t>
-            </a:r>
-            <a:endParaRPr dirty="0"/>
-          </a:p>
-        </p:txBody>
-      </p:sp>
-      <p:pic>
-        <p:nvPicPr>
-          <p:cNvPr id="5" name="그림 4">
-            <a:extLst>
-              <a:ext uri="{FF2B5EF4-FFF2-40B4-BE49-F238E27FC236}">
-                <a16:creationId xmlns:a16="http://schemas.microsoft.com/office/drawing/2014/main" id="{0362690E-BB78-4D14-BF36-56E64547A908}"/>
-              </a:ext>
-            </a:extLst>
-          </p:cNvPr>
-          <p:cNvPicPr>
-            <a:picLocks noChangeAspect="1"/>
-          </p:cNvPicPr>
-          <p:nvPr/>
-        </p:nvPicPr>
-        <p:blipFill>
-          <a:blip r:embed="rId3"/>
-          <a:stretch>
-            <a:fillRect/>
-          </a:stretch>
-        </p:blipFill>
-        <p:spPr>
-          <a:xfrm>
-            <a:off x="3651637" y="1817031"/>
-            <a:ext cx="8417289" cy="4369631"/>
-          </a:xfrm>
-          <a:prstGeom prst="rect">
-            <a:avLst/>
-          </a:prstGeom>
-        </p:spPr>
-      </p:pic>
-      <p:sp>
-        <p:nvSpPr>
-          <p:cNvPr id="6" name="TextBox 5">
-            <a:extLst>
-              <a:ext uri="{FF2B5EF4-FFF2-40B4-BE49-F238E27FC236}">
-                <a16:creationId xmlns:a16="http://schemas.microsoft.com/office/drawing/2014/main" id="{8AD603F9-6960-485C-BE88-E28BA0C96A1E}"/>
-              </a:ext>
-            </a:extLst>
-          </p:cNvPr>
-          <p:cNvSpPr txBox="1"/>
-          <p:nvPr/>
-        </p:nvSpPr>
-        <p:spPr>
-          <a:xfrm>
-            <a:off x="605980" y="1293811"/>
-            <a:ext cx="4654177" cy="738664"/>
-          </a:xfrm>
-          <a:prstGeom prst="rect">
-            <a:avLst/>
-          </a:prstGeom>
-          <a:noFill/>
-        </p:spPr>
-        <p:txBody>
-          <a:bodyPr wrap="square" rtlCol="0">
-            <a:spAutoFit/>
-          </a:bodyPr>
-          <a:lstStyle/>
-          <a:p>
-            <a:pPr marL="285750" indent="-285750">
-              <a:buFontTx/>
-              <a:buChar char="-"/>
-            </a:pPr>
-            <a:r>
-              <a:rPr lang="en-US" altLang="ko-KR" dirty="0">
-                <a:solidFill>
-                  <a:srgbClr val="FF0000"/>
-                </a:solidFill>
-              </a:rPr>
-              <a:t>Composite Pattern</a:t>
-            </a:r>
-          </a:p>
-          <a:p>
-            <a:pPr marL="285750" indent="-285750">
-              <a:buFontTx/>
-              <a:buChar char="-"/>
-            </a:pPr>
-            <a:r>
-              <a:rPr lang="en-US" altLang="ko-KR" dirty="0">
-                <a:solidFill>
-                  <a:srgbClr val="FF0000"/>
-                </a:solidFill>
-              </a:rPr>
-              <a:t>Loader -&gt; </a:t>
-            </a:r>
-            <a:r>
-              <a:rPr lang="en-US" altLang="ko-KR" dirty="0" err="1">
-                <a:solidFill>
-                  <a:srgbClr val="FF0000"/>
-                </a:solidFill>
-              </a:rPr>
-              <a:t>Paser</a:t>
-            </a:r>
-            <a:r>
-              <a:rPr lang="en-US" altLang="ko-KR" dirty="0">
-                <a:solidFill>
-                  <a:srgbClr val="FF0000"/>
-                </a:solidFill>
-              </a:rPr>
-              <a:t>-&gt;</a:t>
-            </a:r>
-            <a:r>
-              <a:rPr lang="en-US" altLang="ko-KR" dirty="0" err="1">
-                <a:solidFill>
-                  <a:srgbClr val="FF0000"/>
-                </a:solidFill>
-              </a:rPr>
-              <a:t>ScriptStore</a:t>
-            </a:r>
-            <a:r>
-              <a:rPr lang="en-US" altLang="ko-KR" dirty="0">
-                <a:solidFill>
-                  <a:srgbClr val="FF0000"/>
-                </a:solidFill>
-              </a:rPr>
-              <a:t>(Singleton)</a:t>
-            </a:r>
-          </a:p>
-          <a:p>
-            <a:pPr marL="285750" indent="-285750">
-              <a:buFontTx/>
-              <a:buChar char="-"/>
-            </a:pPr>
-            <a:r>
-              <a:rPr lang="en-US" altLang="ko-KR" dirty="0" err="1">
-                <a:solidFill>
-                  <a:srgbClr val="FF0000"/>
-                </a:solidFill>
-              </a:rPr>
-              <a:t>ScriptStore</a:t>
-            </a:r>
-            <a:r>
-              <a:rPr lang="ko-KR" altLang="en-US" dirty="0">
-                <a:solidFill>
-                  <a:srgbClr val="FF0000"/>
-                </a:solidFill>
-              </a:rPr>
-              <a:t>에 </a:t>
-            </a:r>
-            <a:r>
-              <a:rPr lang="en-US" altLang="ko-KR" dirty="0" err="1">
-                <a:solidFill>
-                  <a:srgbClr val="FF0000"/>
-                </a:solidFill>
-              </a:rPr>
-              <a:t>ShellScriptCommandInterface</a:t>
-            </a:r>
-            <a:r>
-              <a:rPr lang="en-US" altLang="ko-KR" dirty="0">
-                <a:solidFill>
-                  <a:srgbClr val="FF0000"/>
-                </a:solidFill>
-              </a:rPr>
-              <a:t> DI</a:t>
-            </a:r>
-            <a:endParaRPr lang="ko-KR" altLang="en-US" dirty="0">
-              <a:solidFill>
-                <a:srgbClr val="FF0000"/>
-              </a:solidFill>
-            </a:endParaRPr>
-          </a:p>
-        </p:txBody>
-      </p:sp>
-    </p:spTree>
-    <p:extLst>
-      <p:ext uri="{BB962C8B-B14F-4D97-AF65-F5344CB8AC3E}">
-        <p14:creationId xmlns:p14="http://schemas.microsoft.com/office/powerpoint/2010/main" val="198811429"/>
-      </p:ext>
-    </p:extLst>
-  </p:cSld>
-  <p:clrMapOvr>
-    <a:masterClrMapping/>
-  </p:clrMapOvr>
-</p:sld>
-</file>
-
-<file path=ppt/slides/slide18.xml><?xml version="1.0" encoding="utf-8"?>
-<p:sld xmlns:a="http://schemas.openxmlformats.org/drawingml/2006/main" xmlns:r="http://schemas.openxmlformats.org/officeDocument/2006/relationships" xmlns:p="http://schemas.openxmlformats.org/presentationml/2006/main">
-  <p:cSld>
-    <p:spTree>
-      <p:nvGrpSpPr>
-        <p:cNvPr id="1" name="Shape 58"/>
-        <p:cNvGrpSpPr/>
-        <p:nvPr/>
-      </p:nvGrpSpPr>
-      <p:grpSpPr>
-        <a:xfrm>
-          <a:off x="0" y="0"/>
-          <a:ext cx="0" cy="0"/>
-          <a:chOff x="0" y="0"/>
-          <a:chExt cx="0" cy="0"/>
-        </a:xfrm>
-      </p:grpSpPr>
-      <p:sp>
-        <p:nvSpPr>
-          <p:cNvPr id="59" name="Google Shape;59;p3"/>
-          <p:cNvSpPr txBox="1">
-            <a:spLocks noGrp="1"/>
-          </p:cNvSpPr>
-          <p:nvPr>
-            <p:ph type="title"/>
-          </p:nvPr>
-        </p:nvSpPr>
-        <p:spPr>
-          <a:xfrm>
-            <a:off x="605980" y="310143"/>
-            <a:ext cx="10515600" cy="649800"/>
-          </a:xfrm>
-          <a:prstGeom prst="rect">
-            <a:avLst/>
-          </a:prstGeom>
-          <a:noFill/>
-          <a:ln>
-            <a:noFill/>
-          </a:ln>
-        </p:spPr>
-        <p:txBody>
-          <a:bodyPr spcFirstLastPara="1" wrap="square" lIns="91425" tIns="45700" rIns="91425" bIns="45700" anchor="ctr" anchorCtr="0">
-            <a:normAutofit fontScale="90000"/>
-          </a:bodyPr>
-          <a:lstStyle/>
-          <a:p>
-            <a:pPr marL="0" lvl="0" indent="0" algn="l" rtl="0">
-              <a:lnSpc>
-                <a:spcPct val="90000"/>
-              </a:lnSpc>
-              <a:spcBef>
-                <a:spcPts val="0"/>
-              </a:spcBef>
-              <a:spcAft>
-                <a:spcPts val="0"/>
-              </a:spcAft>
-              <a:buClr>
-                <a:schemeClr val="dk1"/>
-              </a:buClr>
-              <a:buSzPts val="4400"/>
-              <a:buFont typeface="Malgun Gothic"/>
-              <a:buNone/>
-            </a:pPr>
-            <a:r>
-              <a:rPr lang="en-US" dirty="0"/>
-              <a:t>UT / Driver Mocking #1</a:t>
-            </a:r>
-            <a:endParaRPr dirty="0"/>
-          </a:p>
-        </p:txBody>
-      </p:sp>
-      <p:pic>
-        <p:nvPicPr>
-          <p:cNvPr id="7" name="그림 6">
-            <a:extLst>
-              <a:ext uri="{FF2B5EF4-FFF2-40B4-BE49-F238E27FC236}">
-                <a16:creationId xmlns:a16="http://schemas.microsoft.com/office/drawing/2014/main" id="{957FE79E-D748-407E-975D-0D39F19BFAAB}"/>
-              </a:ext>
-            </a:extLst>
-          </p:cNvPr>
-          <p:cNvPicPr>
-            <a:picLocks noChangeAspect="1"/>
-          </p:cNvPicPr>
-          <p:nvPr/>
-        </p:nvPicPr>
-        <p:blipFill>
-          <a:blip r:embed="rId3"/>
-          <a:stretch>
-            <a:fillRect/>
-          </a:stretch>
-        </p:blipFill>
-        <p:spPr>
-          <a:xfrm>
-            <a:off x="999535" y="1132777"/>
-            <a:ext cx="6067425" cy="1828800"/>
-          </a:xfrm>
-          <a:prstGeom prst="rect">
-            <a:avLst/>
-          </a:prstGeom>
-        </p:spPr>
-      </p:pic>
-      <p:pic>
-        <p:nvPicPr>
-          <p:cNvPr id="9" name="그림 8">
-            <a:extLst>
-              <a:ext uri="{FF2B5EF4-FFF2-40B4-BE49-F238E27FC236}">
-                <a16:creationId xmlns:a16="http://schemas.microsoft.com/office/drawing/2014/main" id="{992761BC-94F7-4D5E-B12E-113B0428F5DF}"/>
-              </a:ext>
-            </a:extLst>
-          </p:cNvPr>
-          <p:cNvPicPr>
-            <a:picLocks noChangeAspect="1"/>
-          </p:cNvPicPr>
-          <p:nvPr/>
-        </p:nvPicPr>
-        <p:blipFill>
-          <a:blip r:embed="rId4"/>
-          <a:stretch>
-            <a:fillRect/>
-          </a:stretch>
-        </p:blipFill>
-        <p:spPr>
-          <a:xfrm>
-            <a:off x="745797" y="3408586"/>
-            <a:ext cx="8324850" cy="2286000"/>
-          </a:xfrm>
-          <a:prstGeom prst="rect">
-            <a:avLst/>
-          </a:prstGeom>
-        </p:spPr>
-      </p:pic>
-    </p:spTree>
-    <p:extLst>
-      <p:ext uri="{BB962C8B-B14F-4D97-AF65-F5344CB8AC3E}">
-        <p14:creationId xmlns:p14="http://schemas.microsoft.com/office/powerpoint/2010/main" val="1104049458"/>
-      </p:ext>
-    </p:extLst>
-  </p:cSld>
-  <p:clrMapOvr>
-    <a:masterClrMapping/>
-  </p:clrMapOvr>
-</p:sld>
-</file>
-
-<file path=ppt/slides/slide19.xml><?xml version="1.0" encoding="utf-8"?>
-<p:sld xmlns:a="http://schemas.openxmlformats.org/drawingml/2006/main" xmlns:r="http://schemas.openxmlformats.org/officeDocument/2006/relationships" xmlns:p="http://schemas.openxmlformats.org/presentationml/2006/main">
-  <p:cSld>
-    <p:spTree>
-      <p:nvGrpSpPr>
-        <p:cNvPr id="1" name="Shape 58"/>
-        <p:cNvGrpSpPr/>
-        <p:nvPr/>
-      </p:nvGrpSpPr>
-      <p:grpSpPr>
-        <a:xfrm>
-          <a:off x="0" y="0"/>
-          <a:ext cx="0" cy="0"/>
-          <a:chOff x="0" y="0"/>
-          <a:chExt cx="0" cy="0"/>
-        </a:xfrm>
-      </p:grpSpPr>
-      <p:sp>
-        <p:nvSpPr>
-          <p:cNvPr id="59" name="Google Shape;59;p3"/>
-          <p:cNvSpPr txBox="1">
-            <a:spLocks noGrp="1"/>
-          </p:cNvSpPr>
-          <p:nvPr>
-            <p:ph type="title"/>
-          </p:nvPr>
-        </p:nvSpPr>
-        <p:spPr>
-          <a:xfrm>
-            <a:off x="605980" y="310143"/>
-            <a:ext cx="10515600" cy="649800"/>
-          </a:xfrm>
-          <a:prstGeom prst="rect">
-            <a:avLst/>
-          </a:prstGeom>
-          <a:noFill/>
-          <a:ln>
-            <a:noFill/>
-          </a:ln>
-        </p:spPr>
-        <p:txBody>
-          <a:bodyPr spcFirstLastPara="1" wrap="square" lIns="91425" tIns="45700" rIns="91425" bIns="45700" anchor="ctr" anchorCtr="0">
-            <a:normAutofit fontScale="90000"/>
-          </a:bodyPr>
-          <a:lstStyle/>
-          <a:p>
-            <a:pPr marL="0" lvl="0" indent="0" algn="l" rtl="0">
-              <a:lnSpc>
-                <a:spcPct val="90000"/>
-              </a:lnSpc>
-              <a:spcBef>
-                <a:spcPts val="0"/>
-              </a:spcBef>
-              <a:spcAft>
-                <a:spcPts val="0"/>
-              </a:spcAft>
-              <a:buClr>
-                <a:schemeClr val="dk1"/>
-              </a:buClr>
-              <a:buSzPts val="4400"/>
-              <a:buFont typeface="Malgun Gothic"/>
-              <a:buNone/>
-            </a:pPr>
-            <a:r>
-              <a:rPr lang="en-US" dirty="0"/>
-              <a:t>UT / Driver Mocking#2</a:t>
-            </a:r>
-            <a:endParaRPr dirty="0"/>
-          </a:p>
-        </p:txBody>
-      </p:sp>
-      <p:pic>
-        <p:nvPicPr>
-          <p:cNvPr id="3" name="그림 2">
-            <a:extLst>
-              <a:ext uri="{FF2B5EF4-FFF2-40B4-BE49-F238E27FC236}">
-                <a16:creationId xmlns:a16="http://schemas.microsoft.com/office/drawing/2014/main" id="{4C0653A7-D1A5-4782-806D-9495DFBD7A5F}"/>
-              </a:ext>
-            </a:extLst>
-          </p:cNvPr>
-          <p:cNvPicPr>
-            <a:picLocks noChangeAspect="1"/>
-          </p:cNvPicPr>
-          <p:nvPr/>
-        </p:nvPicPr>
-        <p:blipFill>
-          <a:blip r:embed="rId3"/>
-          <a:stretch>
-            <a:fillRect/>
-          </a:stretch>
-        </p:blipFill>
-        <p:spPr>
-          <a:xfrm>
-            <a:off x="1030664" y="1632830"/>
-            <a:ext cx="7924800" cy="5095875"/>
-          </a:xfrm>
-          <a:prstGeom prst="rect">
-            <a:avLst/>
-          </a:prstGeom>
-        </p:spPr>
-      </p:pic>
-    </p:spTree>
-    <p:extLst>
-      <p:ext uri="{BB962C8B-B14F-4D97-AF65-F5344CB8AC3E}">
-        <p14:creationId xmlns:p14="http://schemas.microsoft.com/office/powerpoint/2010/main" val="3111791289"/>
-      </p:ext>
-    </p:extLst>
-  </p:cSld>
-  <p:clrMapOvr>
-    <a:masterClrMapping/>
-  </p:clrMapOvr>
-</p:sld>
-</file>
-
 <file path=ppt/slides/slide2.xml><?xml version="1.0" encoding="utf-8"?>
 <p:sld xmlns:a="http://schemas.openxmlformats.org/drawingml/2006/main" xmlns:r="http://schemas.openxmlformats.org/officeDocument/2006/relationships" xmlns:p="http://schemas.openxmlformats.org/presentationml/2006/main">
   <p:cSld>
@@ -9041,6 +8805,534 @@
 </file>
 
 <file path=ppt/slides/slide20.xml><?xml version="1.0" encoding="utf-8"?>
+<p:sld xmlns:a="http://schemas.openxmlformats.org/drawingml/2006/main" xmlns:r="http://schemas.openxmlformats.org/officeDocument/2006/relationships" xmlns:p="http://schemas.openxmlformats.org/presentationml/2006/main">
+  <p:cSld>
+    <p:spTree>
+      <p:nvGrpSpPr>
+        <p:cNvPr id="1" name="Shape 58"/>
+        <p:cNvGrpSpPr/>
+        <p:nvPr/>
+      </p:nvGrpSpPr>
+      <p:grpSpPr>
+        <a:xfrm>
+          <a:off x="0" y="0"/>
+          <a:ext cx="0" cy="0"/>
+          <a:chOff x="0" y="0"/>
+          <a:chExt cx="0" cy="0"/>
+        </a:xfrm>
+      </p:grpSpPr>
+      <p:sp>
+        <p:nvSpPr>
+          <p:cNvPr id="59" name="Google Shape;59;p3"/>
+          <p:cNvSpPr txBox="1">
+            <a:spLocks noGrp="1"/>
+          </p:cNvSpPr>
+          <p:nvPr>
+            <p:ph type="title"/>
+          </p:nvPr>
+        </p:nvSpPr>
+        <p:spPr>
+          <a:xfrm>
+            <a:off x="605980" y="310143"/>
+            <a:ext cx="10515600" cy="649800"/>
+          </a:xfrm>
+          <a:prstGeom prst="rect">
+            <a:avLst/>
+          </a:prstGeom>
+          <a:noFill/>
+          <a:ln>
+            <a:noFill/>
+          </a:ln>
+        </p:spPr>
+        <p:txBody>
+          <a:bodyPr spcFirstLastPara="1" wrap="square" lIns="91425" tIns="45700" rIns="91425" bIns="45700" anchor="ctr" anchorCtr="0">
+            <a:normAutofit fontScale="90000"/>
+          </a:bodyPr>
+          <a:lstStyle/>
+          <a:p>
+            <a:pPr marL="0" lvl="0" indent="0" algn="l" rtl="0">
+              <a:lnSpc>
+                <a:spcPct val="90000"/>
+              </a:lnSpc>
+              <a:spcBef>
+                <a:spcPts val="0"/>
+              </a:spcBef>
+              <a:spcAft>
+                <a:spcPts val="0"/>
+              </a:spcAft>
+              <a:buClr>
+                <a:schemeClr val="dk1"/>
+              </a:buClr>
+              <a:buSzPts val="4400"/>
+              <a:buFont typeface="Malgun Gothic"/>
+              <a:buNone/>
+            </a:pPr>
+            <a:r>
+              <a:rPr lang="en-US" dirty="0"/>
+              <a:t>Shell</a:t>
+            </a:r>
+            <a:r>
+              <a:rPr lang="ko-KR" altLang="en-US" dirty="0"/>
+              <a:t> </a:t>
+            </a:r>
+            <a:r>
+              <a:rPr lang="en-US" altLang="ko-KR" dirty="0"/>
+              <a:t>Module</a:t>
+            </a:r>
+            <a:r>
+              <a:rPr lang="ko-KR" altLang="en-US" dirty="0"/>
+              <a:t> </a:t>
+            </a:r>
+            <a:r>
+              <a:rPr lang="en-US" altLang="ko-KR" dirty="0"/>
+              <a:t>Diagram (</a:t>
+            </a:r>
+            <a:r>
+              <a:rPr lang="en-US" altLang="ko-KR" dirty="0" err="1"/>
+              <a:t>ShellScriptCommand</a:t>
+            </a:r>
+            <a:r>
+              <a:rPr lang="en-US" altLang="ko-KR" dirty="0"/>
+              <a:t>)</a:t>
+            </a:r>
+            <a:endParaRPr dirty="0"/>
+          </a:p>
+        </p:txBody>
+      </p:sp>
+      <p:pic>
+        <p:nvPicPr>
+          <p:cNvPr id="5" name="그림 4">
+            <a:extLst>
+              <a:ext uri="{FF2B5EF4-FFF2-40B4-BE49-F238E27FC236}">
+                <a16:creationId xmlns:a16="http://schemas.microsoft.com/office/drawing/2014/main" id="{0362690E-BB78-4D14-BF36-56E64547A908}"/>
+              </a:ext>
+            </a:extLst>
+          </p:cNvPr>
+          <p:cNvPicPr>
+            <a:picLocks noChangeAspect="1"/>
+          </p:cNvPicPr>
+          <p:nvPr/>
+        </p:nvPicPr>
+        <p:blipFill>
+          <a:blip r:embed="rId3"/>
+          <a:stretch>
+            <a:fillRect/>
+          </a:stretch>
+        </p:blipFill>
+        <p:spPr>
+          <a:xfrm>
+            <a:off x="3651637" y="1817031"/>
+            <a:ext cx="8417289" cy="4369631"/>
+          </a:xfrm>
+          <a:prstGeom prst="rect">
+            <a:avLst/>
+          </a:prstGeom>
+        </p:spPr>
+      </p:pic>
+      <p:sp>
+        <p:nvSpPr>
+          <p:cNvPr id="6" name="TextBox 5">
+            <a:extLst>
+              <a:ext uri="{FF2B5EF4-FFF2-40B4-BE49-F238E27FC236}">
+                <a16:creationId xmlns:a16="http://schemas.microsoft.com/office/drawing/2014/main" id="{8AD603F9-6960-485C-BE88-E28BA0C96A1E}"/>
+              </a:ext>
+            </a:extLst>
+          </p:cNvPr>
+          <p:cNvSpPr txBox="1"/>
+          <p:nvPr/>
+        </p:nvSpPr>
+        <p:spPr>
+          <a:xfrm>
+            <a:off x="605980" y="1293811"/>
+            <a:ext cx="4654177" cy="738664"/>
+          </a:xfrm>
+          <a:prstGeom prst="rect">
+            <a:avLst/>
+          </a:prstGeom>
+          <a:noFill/>
+        </p:spPr>
+        <p:txBody>
+          <a:bodyPr wrap="square" rtlCol="0">
+            <a:spAutoFit/>
+          </a:bodyPr>
+          <a:lstStyle/>
+          <a:p>
+            <a:pPr marL="285750" indent="-285750">
+              <a:buFontTx/>
+              <a:buChar char="-"/>
+            </a:pPr>
+            <a:r>
+              <a:rPr lang="en-US" altLang="ko-KR" dirty="0">
+                <a:solidFill>
+                  <a:srgbClr val="FF0000"/>
+                </a:solidFill>
+              </a:rPr>
+              <a:t>Composite Pattern</a:t>
+            </a:r>
+          </a:p>
+          <a:p>
+            <a:pPr marL="285750" indent="-285750">
+              <a:buFontTx/>
+              <a:buChar char="-"/>
+            </a:pPr>
+            <a:r>
+              <a:rPr lang="en-US" altLang="ko-KR" dirty="0">
+                <a:solidFill>
+                  <a:srgbClr val="FF0000"/>
+                </a:solidFill>
+              </a:rPr>
+              <a:t>Loader -&gt; </a:t>
+            </a:r>
+            <a:r>
+              <a:rPr lang="en-US" altLang="ko-KR" dirty="0" err="1">
+                <a:solidFill>
+                  <a:srgbClr val="FF0000"/>
+                </a:solidFill>
+              </a:rPr>
+              <a:t>Paser</a:t>
+            </a:r>
+            <a:r>
+              <a:rPr lang="en-US" altLang="ko-KR" dirty="0">
+                <a:solidFill>
+                  <a:srgbClr val="FF0000"/>
+                </a:solidFill>
+              </a:rPr>
+              <a:t>-&gt;</a:t>
+            </a:r>
+            <a:r>
+              <a:rPr lang="en-US" altLang="ko-KR" dirty="0" err="1">
+                <a:solidFill>
+                  <a:srgbClr val="FF0000"/>
+                </a:solidFill>
+              </a:rPr>
+              <a:t>ScriptStore</a:t>
+            </a:r>
+            <a:r>
+              <a:rPr lang="en-US" altLang="ko-KR" dirty="0">
+                <a:solidFill>
+                  <a:srgbClr val="FF0000"/>
+                </a:solidFill>
+              </a:rPr>
+              <a:t>(Singleton)</a:t>
+            </a:r>
+          </a:p>
+          <a:p>
+            <a:pPr marL="285750" indent="-285750">
+              <a:buFontTx/>
+              <a:buChar char="-"/>
+            </a:pPr>
+            <a:r>
+              <a:rPr lang="en-US" altLang="ko-KR" dirty="0" err="1">
+                <a:solidFill>
+                  <a:srgbClr val="FF0000"/>
+                </a:solidFill>
+              </a:rPr>
+              <a:t>ScriptStore</a:t>
+            </a:r>
+            <a:r>
+              <a:rPr lang="ko-KR" altLang="en-US" dirty="0">
+                <a:solidFill>
+                  <a:srgbClr val="FF0000"/>
+                </a:solidFill>
+              </a:rPr>
+              <a:t>에 </a:t>
+            </a:r>
+            <a:r>
+              <a:rPr lang="en-US" altLang="ko-KR" dirty="0" err="1">
+                <a:solidFill>
+                  <a:srgbClr val="FF0000"/>
+                </a:solidFill>
+              </a:rPr>
+              <a:t>ShellScriptCommandInterface</a:t>
+            </a:r>
+            <a:r>
+              <a:rPr lang="en-US" altLang="ko-KR" dirty="0">
+                <a:solidFill>
+                  <a:srgbClr val="FF0000"/>
+                </a:solidFill>
+              </a:rPr>
+              <a:t> DI</a:t>
+            </a:r>
+            <a:endParaRPr lang="ko-KR" altLang="en-US" dirty="0">
+              <a:solidFill>
+                <a:srgbClr val="FF0000"/>
+              </a:solidFill>
+            </a:endParaRPr>
+          </a:p>
+        </p:txBody>
+      </p:sp>
+    </p:spTree>
+    <p:extLst>
+      <p:ext uri="{BB962C8B-B14F-4D97-AF65-F5344CB8AC3E}">
+        <p14:creationId xmlns:p14="http://schemas.microsoft.com/office/powerpoint/2010/main" val="198811429"/>
+      </p:ext>
+    </p:extLst>
+  </p:cSld>
+  <p:clrMapOvr>
+    <a:masterClrMapping/>
+  </p:clrMapOvr>
+</p:sld>
+</file>
+
+<file path=ppt/slides/slide21.xml><?xml version="1.0" encoding="utf-8"?>
+<p:sld xmlns:a="http://schemas.openxmlformats.org/drawingml/2006/main" xmlns:r="http://schemas.openxmlformats.org/officeDocument/2006/relationships" xmlns:p="http://schemas.openxmlformats.org/presentationml/2006/main">
+  <p:cSld>
+    <p:spTree>
+      <p:nvGrpSpPr>
+        <p:cNvPr id="1" name="Shape 58"/>
+        <p:cNvGrpSpPr/>
+        <p:nvPr/>
+      </p:nvGrpSpPr>
+      <p:grpSpPr>
+        <a:xfrm>
+          <a:off x="0" y="0"/>
+          <a:ext cx="0" cy="0"/>
+          <a:chOff x="0" y="0"/>
+          <a:chExt cx="0" cy="0"/>
+        </a:xfrm>
+      </p:grpSpPr>
+      <p:sp>
+        <p:nvSpPr>
+          <p:cNvPr id="59" name="Google Shape;59;p3"/>
+          <p:cNvSpPr txBox="1">
+            <a:spLocks noGrp="1"/>
+          </p:cNvSpPr>
+          <p:nvPr>
+            <p:ph type="title"/>
+          </p:nvPr>
+        </p:nvSpPr>
+        <p:spPr>
+          <a:xfrm>
+            <a:off x="605980" y="310143"/>
+            <a:ext cx="10515600" cy="649800"/>
+          </a:xfrm>
+          <a:prstGeom prst="rect">
+            <a:avLst/>
+          </a:prstGeom>
+          <a:noFill/>
+          <a:ln>
+            <a:noFill/>
+          </a:ln>
+        </p:spPr>
+        <p:txBody>
+          <a:bodyPr spcFirstLastPara="1" wrap="square" lIns="91425" tIns="45700" rIns="91425" bIns="45700" anchor="ctr" anchorCtr="0">
+            <a:normAutofit fontScale="90000"/>
+          </a:bodyPr>
+          <a:lstStyle/>
+          <a:p>
+            <a:pPr marL="0" lvl="0" indent="0" algn="l" rtl="0">
+              <a:lnSpc>
+                <a:spcPct val="90000"/>
+              </a:lnSpc>
+              <a:spcBef>
+                <a:spcPts val="0"/>
+              </a:spcBef>
+              <a:spcAft>
+                <a:spcPts val="0"/>
+              </a:spcAft>
+              <a:buClr>
+                <a:schemeClr val="dk1"/>
+              </a:buClr>
+              <a:buSzPts val="4400"/>
+              <a:buFont typeface="Malgun Gothic"/>
+              <a:buNone/>
+            </a:pPr>
+            <a:r>
+              <a:rPr lang="en-US" dirty="0"/>
+              <a:t>UT / Driver Mocking #1</a:t>
+            </a:r>
+            <a:endParaRPr dirty="0"/>
+          </a:p>
+        </p:txBody>
+      </p:sp>
+      <p:pic>
+        <p:nvPicPr>
+          <p:cNvPr id="7" name="그림 6">
+            <a:extLst>
+              <a:ext uri="{FF2B5EF4-FFF2-40B4-BE49-F238E27FC236}">
+                <a16:creationId xmlns:a16="http://schemas.microsoft.com/office/drawing/2014/main" id="{957FE79E-D748-407E-975D-0D39F19BFAAB}"/>
+              </a:ext>
+            </a:extLst>
+          </p:cNvPr>
+          <p:cNvPicPr>
+            <a:picLocks noChangeAspect="1"/>
+          </p:cNvPicPr>
+          <p:nvPr/>
+        </p:nvPicPr>
+        <p:blipFill>
+          <a:blip r:embed="rId3"/>
+          <a:stretch>
+            <a:fillRect/>
+          </a:stretch>
+        </p:blipFill>
+        <p:spPr>
+          <a:xfrm>
+            <a:off x="999535" y="1132777"/>
+            <a:ext cx="6067425" cy="1828800"/>
+          </a:xfrm>
+          <a:prstGeom prst="rect">
+            <a:avLst/>
+          </a:prstGeom>
+        </p:spPr>
+      </p:pic>
+      <p:pic>
+        <p:nvPicPr>
+          <p:cNvPr id="9" name="그림 8">
+            <a:extLst>
+              <a:ext uri="{FF2B5EF4-FFF2-40B4-BE49-F238E27FC236}">
+                <a16:creationId xmlns:a16="http://schemas.microsoft.com/office/drawing/2014/main" id="{992761BC-94F7-4D5E-B12E-113B0428F5DF}"/>
+              </a:ext>
+            </a:extLst>
+          </p:cNvPr>
+          <p:cNvPicPr>
+            <a:picLocks noChangeAspect="1"/>
+          </p:cNvPicPr>
+          <p:nvPr/>
+        </p:nvPicPr>
+        <p:blipFill>
+          <a:blip r:embed="rId4"/>
+          <a:stretch>
+            <a:fillRect/>
+          </a:stretch>
+        </p:blipFill>
+        <p:spPr>
+          <a:xfrm>
+            <a:off x="745797" y="3408586"/>
+            <a:ext cx="8324850" cy="2286000"/>
+          </a:xfrm>
+          <a:prstGeom prst="rect">
+            <a:avLst/>
+          </a:prstGeom>
+        </p:spPr>
+      </p:pic>
+    </p:spTree>
+    <p:extLst>
+      <p:ext uri="{BB962C8B-B14F-4D97-AF65-F5344CB8AC3E}">
+        <p14:creationId xmlns:p14="http://schemas.microsoft.com/office/powerpoint/2010/main" val="1104049458"/>
+      </p:ext>
+    </p:extLst>
+  </p:cSld>
+  <p:clrMapOvr>
+    <a:masterClrMapping/>
+  </p:clrMapOvr>
+</p:sld>
+</file>
+
+<file path=ppt/slides/slide22.xml><?xml version="1.0" encoding="utf-8"?>
+<p:sld xmlns:a="http://schemas.openxmlformats.org/drawingml/2006/main" xmlns:r="http://schemas.openxmlformats.org/officeDocument/2006/relationships" xmlns:p="http://schemas.openxmlformats.org/presentationml/2006/main">
+  <p:cSld>
+    <p:spTree>
+      <p:nvGrpSpPr>
+        <p:cNvPr id="1" name="Shape 58"/>
+        <p:cNvGrpSpPr/>
+        <p:nvPr/>
+      </p:nvGrpSpPr>
+      <p:grpSpPr>
+        <a:xfrm>
+          <a:off x="0" y="0"/>
+          <a:ext cx="0" cy="0"/>
+          <a:chOff x="0" y="0"/>
+          <a:chExt cx="0" cy="0"/>
+        </a:xfrm>
+      </p:grpSpPr>
+      <p:sp>
+        <p:nvSpPr>
+          <p:cNvPr id="59" name="Google Shape;59;p3"/>
+          <p:cNvSpPr txBox="1">
+            <a:spLocks noGrp="1"/>
+          </p:cNvSpPr>
+          <p:nvPr>
+            <p:ph type="title"/>
+          </p:nvPr>
+        </p:nvSpPr>
+        <p:spPr>
+          <a:xfrm>
+            <a:off x="605980" y="310143"/>
+            <a:ext cx="10515600" cy="649800"/>
+          </a:xfrm>
+          <a:prstGeom prst="rect">
+            <a:avLst/>
+          </a:prstGeom>
+          <a:noFill/>
+          <a:ln>
+            <a:noFill/>
+          </a:ln>
+        </p:spPr>
+        <p:txBody>
+          <a:bodyPr spcFirstLastPara="1" wrap="square" lIns="91425" tIns="45700" rIns="91425" bIns="45700" anchor="ctr" anchorCtr="0">
+            <a:normAutofit fontScale="90000"/>
+          </a:bodyPr>
+          <a:lstStyle/>
+          <a:p>
+            <a:pPr marL="0" lvl="0" indent="0" algn="l" rtl="0">
+              <a:lnSpc>
+                <a:spcPct val="90000"/>
+              </a:lnSpc>
+              <a:spcBef>
+                <a:spcPts val="0"/>
+              </a:spcBef>
+              <a:spcAft>
+                <a:spcPts val="0"/>
+              </a:spcAft>
+              <a:buClr>
+                <a:schemeClr val="dk1"/>
+              </a:buClr>
+              <a:buSzPts val="4400"/>
+              <a:buFont typeface="Malgun Gothic"/>
+              <a:buNone/>
+            </a:pPr>
+            <a:r>
+              <a:rPr lang="en-US" dirty="0"/>
+              <a:t>UT / Driver Mocking#2</a:t>
+            </a:r>
+            <a:endParaRPr dirty="0"/>
+          </a:p>
+        </p:txBody>
+      </p:sp>
+      <p:pic>
+        <p:nvPicPr>
+          <p:cNvPr id="3" name="그림 2">
+            <a:extLst>
+              <a:ext uri="{FF2B5EF4-FFF2-40B4-BE49-F238E27FC236}">
+                <a16:creationId xmlns:a16="http://schemas.microsoft.com/office/drawing/2014/main" id="{4C0653A7-D1A5-4782-806D-9495DFBD7A5F}"/>
+              </a:ext>
+            </a:extLst>
+          </p:cNvPr>
+          <p:cNvPicPr>
+            <a:picLocks noChangeAspect="1"/>
+          </p:cNvPicPr>
+          <p:nvPr/>
+        </p:nvPicPr>
+        <p:blipFill>
+          <a:blip r:embed="rId3"/>
+          <a:stretch>
+            <a:fillRect/>
+          </a:stretch>
+        </p:blipFill>
+        <p:spPr>
+          <a:xfrm>
+            <a:off x="1030664" y="1632830"/>
+            <a:ext cx="7924800" cy="5095875"/>
+          </a:xfrm>
+          <a:prstGeom prst="rect">
+            <a:avLst/>
+          </a:prstGeom>
+        </p:spPr>
+      </p:pic>
+    </p:spTree>
+    <p:extLst>
+      <p:ext uri="{BB962C8B-B14F-4D97-AF65-F5344CB8AC3E}">
+        <p14:creationId xmlns:p14="http://schemas.microsoft.com/office/powerpoint/2010/main" val="3111791289"/>
+      </p:ext>
+    </p:extLst>
+  </p:cSld>
+  <p:clrMapOvr>
+    <a:masterClrMapping/>
+  </p:clrMapOvr>
+</p:sld>
+</file>
+
+<file path=ppt/slides/slide23.xml><?xml version="1.0" encoding="utf-8"?>
 <p:sld xmlns:a="http://schemas.openxmlformats.org/drawingml/2006/main" xmlns:r="http://schemas.openxmlformats.org/officeDocument/2006/relationships" xmlns:p="http://schemas.openxmlformats.org/presentationml/2006/main">
   <p:cSld>
     <p:spTree>
@@ -9164,7 +9456,7 @@
 </p:sld>
 </file>
 
-<file path=ppt/slides/slide21.xml><?xml version="1.0" encoding="utf-8"?>
+<file path=ppt/slides/slide24.xml><?xml version="1.0" encoding="utf-8"?>
 <p:sld xmlns:a="http://schemas.openxmlformats.org/drawingml/2006/main" xmlns:r="http://schemas.openxmlformats.org/officeDocument/2006/relationships" xmlns:p="http://schemas.openxmlformats.org/presentationml/2006/main">
   <p:cSld>
     <p:spTree>
@@ -9279,7 +9571,7 @@
 </p:sld>
 </file>
 
-<file path=ppt/slides/slide22.xml><?xml version="1.0" encoding="utf-8"?>
+<file path=ppt/slides/slide25.xml><?xml version="1.0" encoding="utf-8"?>
 <p:sld xmlns:a="http://schemas.openxmlformats.org/drawingml/2006/main" xmlns:r="http://schemas.openxmlformats.org/officeDocument/2006/relationships" xmlns:p="http://schemas.openxmlformats.org/presentationml/2006/main">
   <p:cSld>
     <p:spTree>
@@ -9416,7 +9708,7 @@
 </p:sld>
 </file>
 
-<file path=ppt/slides/slide23.xml><?xml version="1.0" encoding="utf-8"?>
+<file path=ppt/slides/slide26.xml><?xml version="1.0" encoding="utf-8"?>
 <p:sld xmlns:a="http://schemas.openxmlformats.org/drawingml/2006/main" xmlns:r="http://schemas.openxmlformats.org/officeDocument/2006/relationships" xmlns:p="http://schemas.openxmlformats.org/presentationml/2006/main">
   <p:cSld>
     <p:spTree>

--- a/SSD부분_발표.pptx
+++ b/SSD부분_발표.pptx
@@ -271,7 +271,7 @@
       <p15:sldGuideLst xmlns:p15="http://schemas.microsoft.com/office/powerpoint/2012/main"/>
     </p:ext>
     <p:ext uri="GoogleSlidesCustomDataVersion2">
-      <go:slidesCustomData xmlns="" xmlns:mc="http://schemas.openxmlformats.org/markup-compatibility/2006" xmlns:mv="urn:schemas-microsoft-com:mac:vml" xmlns:c="http://schemas.openxmlformats.org/drawingml/2006/chart" xmlns:dgm="http://schemas.openxmlformats.org/drawingml/2006/diagram" xmlns:o="urn:schemas-microsoft-com:office:office" xmlns:v="urn:schemas-microsoft-com:vml" xmlns:pvml="urn:schemas-microsoft-com:office:powerpoint" xmlns:com="http://schemas.openxmlformats.org/drawingml/2006/compatibility" xmlns:p14="http://schemas.microsoft.com/office/powerpoint/2010/main" xmlns:p15="http://schemas.microsoft.com/office/powerpoint/2012/main" xmlns:ahyp="http://schemas.microsoft.com/office/drawing/2018/hyperlinkcolor" xmlns:go="http://customooxmlschemas.google.com/" r:id="rId29" roundtripDataSignature="AMtx7mj5GdbxsaFl02bTEFBl/9s84/Z/Bw=="/>
+      <go:slidesCustomData xmlns:go="http://customooxmlschemas.google.com/" xmlns:ahyp="http://schemas.microsoft.com/office/drawing/2018/hyperlinkcolor" xmlns:p15="http://schemas.microsoft.com/office/powerpoint/2012/main" xmlns:p14="http://schemas.microsoft.com/office/powerpoint/2010/main" xmlns:com="http://schemas.openxmlformats.org/drawingml/2006/compatibility" xmlns:pvml="urn:schemas-microsoft-com:office:powerpoint" xmlns:v="urn:schemas-microsoft-com:vml" xmlns:o="urn:schemas-microsoft-com:office:office" xmlns:dgm="http://schemas.openxmlformats.org/drawingml/2006/diagram" xmlns:c="http://schemas.openxmlformats.org/drawingml/2006/chart" xmlns:mv="urn:schemas-microsoft-com:mac:vml" xmlns:mc="http://schemas.openxmlformats.org/markup-compatibility/2006" xmlns="" r:id="rId29" roundtripDataSignature="AMtx7mj5GdbxsaFl02bTEFBl/9s84/Z/Bw=="/>
     </p:ext>
   </p:extLst>
 </p:presentation>
@@ -7387,8 +7387,92 @@
         </p:blipFill>
         <p:spPr>
           <a:xfrm>
-            <a:off x="970960" y="1146471"/>
+            <a:off x="980387" y="1082551"/>
             <a:ext cx="10391481" cy="5642852"/>
+          </a:xfrm>
+          <a:prstGeom prst="rect">
+            <a:avLst/>
+          </a:prstGeom>
+        </p:spPr>
+      </p:pic>
+      <p:sp>
+        <p:nvSpPr>
+          <p:cNvPr id="3" name="직사각형 2">
+            <a:extLst>
+              <a:ext uri="{FF2B5EF4-FFF2-40B4-BE49-F238E27FC236}">
+                <a16:creationId xmlns:a16="http://schemas.microsoft.com/office/drawing/2014/main" id="{CD098AC4-B78B-415F-BF72-83184ADCBC9A}"/>
+              </a:ext>
+            </a:extLst>
+          </p:cNvPr>
+          <p:cNvSpPr/>
+          <p:nvPr/>
+        </p:nvSpPr>
+        <p:spPr>
+          <a:xfrm>
+            <a:off x="6014301" y="2696066"/>
+            <a:ext cx="5288437" cy="1866507"/>
+          </a:xfrm>
+          <a:prstGeom prst="rect">
+            <a:avLst/>
+          </a:prstGeom>
+          <a:solidFill>
+            <a:schemeClr val="bg1"/>
+          </a:solidFill>
+          <a:ln>
+            <a:solidFill>
+              <a:schemeClr val="bg1"/>
+            </a:solidFill>
+          </a:ln>
+        </p:spPr>
+        <p:style>
+          <a:lnRef idx="2">
+            <a:schemeClr val="accent1">
+              <a:shade val="50000"/>
+            </a:schemeClr>
+          </a:lnRef>
+          <a:fillRef idx="1">
+            <a:schemeClr val="accent1"/>
+          </a:fillRef>
+          <a:effectRef idx="0">
+            <a:schemeClr val="accent1"/>
+          </a:effectRef>
+          <a:fontRef idx="minor">
+            <a:schemeClr val="lt1"/>
+          </a:fontRef>
+        </p:style>
+        <p:txBody>
+          <a:bodyPr rtlCol="0" anchor="ctr"/>
+          <a:lstStyle/>
+          <a:p>
+            <a:pPr algn="ctr"/>
+            <a:endParaRPr lang="ko-KR" altLang="en-US"/>
+          </a:p>
+        </p:txBody>
+      </p:sp>
+      <p:pic>
+        <p:nvPicPr>
+          <p:cNvPr id="5" name="그림 4">
+            <a:extLst>
+              <a:ext uri="{FF2B5EF4-FFF2-40B4-BE49-F238E27FC236}">
+                <a16:creationId xmlns:a16="http://schemas.microsoft.com/office/drawing/2014/main" id="{FC2ACF81-D900-40E2-804B-DD680AA4FE9A}"/>
+              </a:ext>
+            </a:extLst>
+          </p:cNvPr>
+          <p:cNvPicPr>
+            <a:picLocks noChangeAspect="1"/>
+          </p:cNvPicPr>
+          <p:nvPr/>
+        </p:nvPicPr>
+        <p:blipFill>
+          <a:blip r:embed="rId3"/>
+          <a:stretch>
+            <a:fillRect/>
+          </a:stretch>
+        </p:blipFill>
+        <p:spPr>
+          <a:xfrm>
+            <a:off x="6176127" y="2696066"/>
+            <a:ext cx="2804403" cy="1600339"/>
           </a:xfrm>
           <a:prstGeom prst="rect">
             <a:avLst/>
